--- a/Slides/Lesson 8.3 Linear Search.pptx
+++ b/Slides/Lesson 8.3 Linear Search.pptx
@@ -248,7 +248,7 @@
             <a:fld id="{CF8F25F6-E1EF-4065-8525-42EDEBD9BD22}" type="datetimeFigureOut">
               <a:rPr lang="en-US" smtClean="0"/>
               <a:pPr/>
-              <a:t>10/26/2015</a:t>
+              <a:t>10/23/2016</a:t>
             </a:fld>
             <a:endParaRPr lang="en-US"/>
           </a:p>
@@ -314,38 +314,37 @@
           <a:p>
             <a:pPr lvl="0"/>
             <a:r>
-              <a:rPr lang="en-US" smtClean="0"/>
+              <a:rPr lang="en-US"/>
               <a:t>Click to edit Master text styles</a:t>
             </a:r>
           </a:p>
           <a:p>
             <a:pPr lvl="1"/>
             <a:r>
-              <a:rPr lang="en-US" smtClean="0"/>
+              <a:rPr lang="en-US"/>
               <a:t>Second level</a:t>
             </a:r>
           </a:p>
           <a:p>
             <a:pPr lvl="2"/>
             <a:r>
-              <a:rPr lang="en-US" smtClean="0"/>
+              <a:rPr lang="en-US"/>
               <a:t>Third level</a:t>
             </a:r>
           </a:p>
           <a:p>
             <a:pPr lvl="3"/>
             <a:r>
-              <a:rPr lang="en-US" smtClean="0"/>
+              <a:rPr lang="en-US"/>
               <a:t>Fourth level</a:t>
             </a:r>
           </a:p>
           <a:p>
             <a:pPr lvl="4"/>
             <a:r>
-              <a:rPr lang="en-US" smtClean="0"/>
+              <a:rPr lang="en-US"/>
               <a:t>Fifth level</a:t>
             </a:r>
-            <a:endParaRPr lang="en-US"/>
           </a:p>
         </p:txBody>
       </p:sp>
@@ -565,7 +564,7 @@
           </a:bodyPr>
           <a:lstStyle/>
           <a:p>
-            <a:endParaRPr lang="en-US" dirty="0" smtClean="0"/>
+            <a:endParaRPr lang="en-US" dirty="0"/>
           </a:p>
         </p:txBody>
       </p:sp>
@@ -814,10 +813,9 @@
           <a:lstStyle/>
           <a:p>
             <a:r>
-              <a:rPr lang="en-US" smtClean="0"/>
+              <a:rPr lang="en-US"/>
               <a:t>Click to edit Master title style</a:t>
             </a:r>
-            <a:endParaRPr lang="en-US"/>
           </a:p>
         </p:txBody>
       </p:sp>
@@ -933,10 +931,9 @@
           </a:lstStyle>
           <a:p>
             <a:r>
-              <a:rPr lang="en-US" smtClean="0"/>
+              <a:rPr lang="en-US"/>
               <a:t>Click to edit Master subtitle style</a:t>
             </a:r>
-            <a:endParaRPr lang="en-US"/>
           </a:p>
         </p:txBody>
       </p:sp>
@@ -957,7 +954,7 @@
           <a:p>
             <a:fld id="{2F1F79F5-7BEC-496A-AFC7-876E38F64D71}" type="datetime1">
               <a:rPr lang="en-US" smtClean="0"/>
-              <a:t>10/26/2015</a:t>
+              <a:t>10/23/2016</a:t>
             </a:fld>
             <a:endParaRPr lang="en-US"/>
           </a:p>
@@ -1015,13 +1012,6 @@
   <p:clrMapOvr>
     <a:masterClrMapping/>
   </p:clrMapOvr>
-  <p:timing>
-    <p:tnLst>
-      <p:par>
-        <p:cTn id="1" dur="indefinite" restart="never" nodeType="tmRoot"/>
-      </p:par>
-    </p:tnLst>
-  </p:timing>
 </p:sldLayout>
 </file>
 
@@ -1059,7 +1049,7 @@
           <a:p>
             <a:fld id="{0A05703A-7669-4FEA-9056-25299B4D29D4}" type="datetime1">
               <a:rPr lang="en-US" smtClean="0"/>
-              <a:t>10/26/2015</a:t>
+              <a:t>10/23/2016</a:t>
             </a:fld>
             <a:endParaRPr lang="en-US"/>
           </a:p>
@@ -1162,10 +1152,9 @@
           </a:lstStyle>
           <a:p>
             <a:r>
-              <a:rPr lang="en-US" smtClean="0"/>
+              <a:rPr lang="en-US"/>
               <a:t>Click to edit Master title style</a:t>
             </a:r>
-            <a:endParaRPr lang="en-US"/>
           </a:p>
         </p:txBody>
       </p:sp>
@@ -1219,38 +1208,37 @@
           <a:p>
             <a:pPr lvl="0"/>
             <a:r>
-              <a:rPr lang="en-US" smtClean="0"/>
+              <a:rPr lang="en-US"/>
               <a:t>Click to edit Master text styles</a:t>
             </a:r>
           </a:p>
           <a:p>
             <a:pPr lvl="1"/>
             <a:r>
-              <a:rPr lang="en-US" smtClean="0"/>
+              <a:rPr lang="en-US"/>
               <a:t>Second level</a:t>
             </a:r>
           </a:p>
           <a:p>
             <a:pPr lvl="2"/>
             <a:r>
-              <a:rPr lang="en-US" smtClean="0"/>
+              <a:rPr lang="en-US"/>
               <a:t>Third level</a:t>
             </a:r>
           </a:p>
           <a:p>
             <a:pPr lvl="3"/>
             <a:r>
-              <a:rPr lang="en-US" smtClean="0"/>
+              <a:rPr lang="en-US"/>
               <a:t>Fourth level</a:t>
             </a:r>
           </a:p>
           <a:p>
             <a:pPr lvl="4"/>
             <a:r>
-              <a:rPr lang="en-US" smtClean="0"/>
+              <a:rPr lang="en-US"/>
               <a:t>Fifth level</a:t>
             </a:r>
-            <a:endParaRPr lang="en-US"/>
           </a:p>
         </p:txBody>
       </p:sp>
@@ -1313,7 +1301,7 @@
           <a:p>
             <a:pPr lvl="0"/>
             <a:r>
-              <a:rPr lang="en-US" smtClean="0"/>
+              <a:rPr lang="en-US"/>
               <a:t>Click to edit Master text styles</a:t>
             </a:r>
           </a:p>
@@ -1336,7 +1324,7 @@
           <a:p>
             <a:fld id="{6E5077B5-BB57-49DB-88CA-226A139E5C01}" type="datetime1">
               <a:rPr lang="en-US" smtClean="0"/>
-              <a:t>10/26/2015</a:t>
+              <a:t>10/23/2016</a:t>
             </a:fld>
             <a:endParaRPr lang="en-US"/>
           </a:p>
@@ -1439,10 +1427,9 @@
           </a:lstStyle>
           <a:p>
             <a:r>
-              <a:rPr lang="en-US" smtClean="0"/>
+              <a:rPr lang="en-US"/>
               <a:t>Click to edit Master title style</a:t>
             </a:r>
-            <a:endParaRPr lang="en-US"/>
           </a:p>
         </p:txBody>
       </p:sp>
@@ -1566,7 +1553,7 @@
           <a:p>
             <a:pPr lvl="0"/>
             <a:r>
-              <a:rPr lang="en-US" smtClean="0"/>
+              <a:rPr lang="en-US"/>
               <a:t>Click to edit Master text styles</a:t>
             </a:r>
           </a:p>
@@ -1589,7 +1576,7 @@
           <a:p>
             <a:fld id="{C48D9447-CBD6-49A1-89FD-8512A8CF8999}" type="datetime1">
               <a:rPr lang="en-US" smtClean="0"/>
-              <a:t>10/26/2015</a:t>
+              <a:t>10/23/2016</a:t>
             </a:fld>
             <a:endParaRPr lang="en-US"/>
           </a:p>
@@ -1683,10 +1670,9 @@
           <a:lstStyle/>
           <a:p>
             <a:r>
-              <a:rPr lang="en-US" smtClean="0"/>
+              <a:rPr lang="en-US"/>
               <a:t>Click to edit Master title style</a:t>
             </a:r>
-            <a:endParaRPr lang="en-US"/>
           </a:p>
         </p:txBody>
       </p:sp>
@@ -1707,38 +1693,37 @@
           <a:p>
             <a:pPr lvl="0"/>
             <a:r>
-              <a:rPr lang="en-US" smtClean="0"/>
+              <a:rPr lang="en-US"/>
               <a:t>Click to edit Master text styles</a:t>
             </a:r>
           </a:p>
           <a:p>
             <a:pPr lvl="1"/>
             <a:r>
-              <a:rPr lang="en-US" smtClean="0"/>
+              <a:rPr lang="en-US"/>
               <a:t>Second level</a:t>
             </a:r>
           </a:p>
           <a:p>
             <a:pPr lvl="2"/>
             <a:r>
-              <a:rPr lang="en-US" smtClean="0"/>
+              <a:rPr lang="en-US"/>
               <a:t>Third level</a:t>
             </a:r>
           </a:p>
           <a:p>
             <a:pPr lvl="3"/>
             <a:r>
-              <a:rPr lang="en-US" smtClean="0"/>
+              <a:rPr lang="en-US"/>
               <a:t>Fourth level</a:t>
             </a:r>
           </a:p>
           <a:p>
             <a:pPr lvl="4"/>
             <a:r>
-              <a:rPr lang="en-US" smtClean="0"/>
+              <a:rPr lang="en-US"/>
               <a:t>Fifth level</a:t>
             </a:r>
-            <a:endParaRPr lang="en-US"/>
           </a:p>
         </p:txBody>
       </p:sp>
@@ -1759,7 +1744,7 @@
           <a:p>
             <a:fld id="{A3639A2A-823D-48B7-9ACE-7FAF42870BA9}" type="datetime1">
               <a:rPr lang="en-US" smtClean="0"/>
-              <a:t>10/26/2015</a:t>
+              <a:t>10/23/2016</a:t>
             </a:fld>
             <a:endParaRPr lang="en-US"/>
           </a:p>
@@ -1858,10 +1843,9 @@
           <a:lstStyle/>
           <a:p>
             <a:r>
-              <a:rPr lang="en-US" smtClean="0"/>
+              <a:rPr lang="en-US"/>
               <a:t>Click to edit Master title style</a:t>
             </a:r>
-            <a:endParaRPr lang="en-US"/>
           </a:p>
         </p:txBody>
       </p:sp>
@@ -1887,38 +1871,37 @@
           <a:p>
             <a:pPr lvl="0"/>
             <a:r>
-              <a:rPr lang="en-US" smtClean="0"/>
+              <a:rPr lang="en-US"/>
               <a:t>Click to edit Master text styles</a:t>
             </a:r>
           </a:p>
           <a:p>
             <a:pPr lvl="1"/>
             <a:r>
-              <a:rPr lang="en-US" smtClean="0"/>
+              <a:rPr lang="en-US"/>
               <a:t>Second level</a:t>
             </a:r>
           </a:p>
           <a:p>
             <a:pPr lvl="2"/>
             <a:r>
-              <a:rPr lang="en-US" smtClean="0"/>
+              <a:rPr lang="en-US"/>
               <a:t>Third level</a:t>
             </a:r>
           </a:p>
           <a:p>
             <a:pPr lvl="3"/>
             <a:r>
-              <a:rPr lang="en-US" smtClean="0"/>
+              <a:rPr lang="en-US"/>
               <a:t>Fourth level</a:t>
             </a:r>
           </a:p>
           <a:p>
             <a:pPr lvl="4"/>
             <a:r>
-              <a:rPr lang="en-US" smtClean="0"/>
+              <a:rPr lang="en-US"/>
               <a:t>Fifth level</a:t>
             </a:r>
-            <a:endParaRPr lang="en-US"/>
           </a:p>
         </p:txBody>
       </p:sp>
@@ -1939,7 +1922,7 @@
           <a:p>
             <a:fld id="{ED1B6996-82E9-463C-972C-7B56056E426C}" type="datetime1">
               <a:rPr lang="en-US" smtClean="0"/>
-              <a:t>10/26/2015</a:t>
+              <a:t>10/23/2016</a:t>
             </a:fld>
             <a:endParaRPr lang="en-US"/>
           </a:p>
@@ -2039,10 +2022,9 @@
           <a:lstStyle/>
           <a:p>
             <a:r>
-              <a:rPr lang="en-US" dirty="0" smtClean="0"/>
+              <a:rPr lang="en-US" dirty="0"/>
               <a:t>Click to edit Master title style</a:t>
             </a:r>
-            <a:endParaRPr lang="en-US" dirty="0"/>
           </a:p>
         </p:txBody>
       </p:sp>
@@ -2063,38 +2045,37 @@
           <a:p>
             <a:pPr lvl="0"/>
             <a:r>
-              <a:rPr lang="en-US" smtClean="0"/>
+              <a:rPr lang="en-US"/>
               <a:t>Click to edit Master text styles</a:t>
             </a:r>
           </a:p>
           <a:p>
             <a:pPr lvl="1"/>
             <a:r>
-              <a:rPr lang="en-US" smtClean="0"/>
+              <a:rPr lang="en-US"/>
               <a:t>Second level</a:t>
             </a:r>
           </a:p>
           <a:p>
             <a:pPr lvl="2"/>
             <a:r>
-              <a:rPr lang="en-US" smtClean="0"/>
+              <a:rPr lang="en-US"/>
               <a:t>Third level</a:t>
             </a:r>
           </a:p>
           <a:p>
             <a:pPr lvl="3"/>
             <a:r>
-              <a:rPr lang="en-US" smtClean="0"/>
+              <a:rPr lang="en-US"/>
               <a:t>Fourth level</a:t>
             </a:r>
           </a:p>
           <a:p>
             <a:pPr lvl="4"/>
             <a:r>
-              <a:rPr lang="en-US" smtClean="0"/>
+              <a:rPr lang="en-US"/>
               <a:t>Fifth level</a:t>
             </a:r>
-            <a:endParaRPr lang="en-US"/>
           </a:p>
         </p:txBody>
       </p:sp>
@@ -2115,7 +2096,7 @@
           <a:p>
             <a:fld id="{E22ED4DA-448D-4BB1-B935-CC112220207B}" type="datetime1">
               <a:rPr lang="en-US" smtClean="0"/>
-              <a:t>10/26/2015</a:t>
+              <a:t>10/23/2016</a:t>
             </a:fld>
             <a:endParaRPr lang="en-US"/>
           </a:p>
@@ -2173,13 +2154,6 @@
   <p:clrMapOvr>
     <a:masterClrMapping/>
   </p:clrMapOvr>
-  <p:timing>
-    <p:tnLst>
-      <p:par>
-        <p:cTn id="1" dur="indefinite" restart="never" nodeType="tmRoot"/>
-      </p:par>
-    </p:tnLst>
-  </p:timing>
 </p:sldLayout>
 </file>
 
@@ -2216,10 +2190,9 @@
           <a:lstStyle/>
           <a:p>
             <a:r>
-              <a:rPr lang="en-US" smtClean="0"/>
+              <a:rPr lang="en-US"/>
               <a:t>Click to edit Master title style</a:t>
             </a:r>
-            <a:endParaRPr lang="en-US"/>
           </a:p>
         </p:txBody>
       </p:sp>
@@ -2245,38 +2218,37 @@
           <a:p>
             <a:pPr lvl="0"/>
             <a:r>
-              <a:rPr lang="en-US" dirty="0" smtClean="0"/>
+              <a:rPr lang="en-US" dirty="0"/>
               <a:t>Click to edit Master text styles</a:t>
             </a:r>
           </a:p>
           <a:p>
             <a:pPr lvl="1"/>
             <a:r>
-              <a:rPr lang="en-US" dirty="0" smtClean="0"/>
+              <a:rPr lang="en-US" dirty="0"/>
               <a:t>Second level</a:t>
             </a:r>
           </a:p>
           <a:p>
             <a:pPr lvl="2"/>
             <a:r>
-              <a:rPr lang="en-US" dirty="0" smtClean="0"/>
+              <a:rPr lang="en-US" dirty="0"/>
               <a:t>Third level</a:t>
             </a:r>
           </a:p>
           <a:p>
             <a:pPr lvl="3"/>
             <a:r>
-              <a:rPr lang="en-US" dirty="0" smtClean="0"/>
+              <a:rPr lang="en-US" dirty="0"/>
               <a:t>Fourth level</a:t>
             </a:r>
           </a:p>
           <a:p>
             <a:pPr lvl="4"/>
             <a:r>
-              <a:rPr lang="en-US" dirty="0" smtClean="0"/>
+              <a:rPr lang="en-US" dirty="0"/>
               <a:t>Fifth level</a:t>
             </a:r>
-            <a:endParaRPr lang="en-US" dirty="0"/>
           </a:p>
         </p:txBody>
       </p:sp>
@@ -2297,7 +2269,7 @@
           <a:p>
             <a:fld id="{E22ED4DA-448D-4BB1-B935-CC112220207B}" type="datetime1">
               <a:rPr lang="en-US" smtClean="0"/>
-              <a:t>10/26/2015</a:t>
+              <a:t>10/23/2016</a:t>
             </a:fld>
             <a:endParaRPr lang="en-US"/>
           </a:p>
@@ -2387,7 +2359,7 @@
           <a:lstStyle/>
           <a:p>
             <a:pPr algn="ctr"/>
-            <a:endParaRPr lang="en-US" dirty="0" smtClean="0">
+            <a:endParaRPr lang="en-US" dirty="0">
               <a:solidFill>
                 <a:schemeClr val="tx1"/>
               </a:solidFill>
@@ -2418,11 +2390,11 @@
           <a:lstStyle/>
           <a:p>
             <a:r>
-              <a:rPr lang="en-US" dirty="0" smtClean="0"/>
+              <a:rPr lang="en-US" dirty="0"/>
               <a:t>Resize video to this</a:t>
             </a:r>
             <a:r>
-              <a:rPr lang="en-US" baseline="0" dirty="0" smtClean="0"/>
+              <a:rPr lang="en-US" baseline="0" dirty="0"/>
               <a:t> box.</a:t>
             </a:r>
             <a:endParaRPr lang="en-US" dirty="0"/>
@@ -2439,13 +2411,6 @@
   <p:clrMapOvr>
     <a:masterClrMapping/>
   </p:clrMapOvr>
-  <p:timing>
-    <p:tnLst>
-      <p:par>
-        <p:cTn id="1" dur="indefinite" restart="never" nodeType="tmRoot"/>
-      </p:par>
-    </p:tnLst>
-  </p:timing>
 </p:sldLayout>
 </file>
 
@@ -2482,10 +2447,9 @@
           <a:lstStyle/>
           <a:p>
             <a:r>
-              <a:rPr lang="en-US" smtClean="0"/>
+              <a:rPr lang="en-US"/>
               <a:t>Click to edit Master title style</a:t>
             </a:r>
-            <a:endParaRPr lang="en-US"/>
           </a:p>
         </p:txBody>
       </p:sp>
@@ -2514,38 +2478,37 @@
           <a:p>
             <a:pPr lvl="0"/>
             <a:r>
-              <a:rPr lang="en-US" dirty="0" smtClean="0"/>
+              <a:rPr lang="en-US" dirty="0"/>
               <a:t>Click to edit Master text styles</a:t>
             </a:r>
           </a:p>
           <a:p>
             <a:pPr lvl="1"/>
             <a:r>
-              <a:rPr lang="en-US" dirty="0" smtClean="0"/>
+              <a:rPr lang="en-US" dirty="0"/>
               <a:t>Second level</a:t>
             </a:r>
           </a:p>
           <a:p>
             <a:pPr lvl="2"/>
             <a:r>
-              <a:rPr lang="en-US" dirty="0" smtClean="0"/>
+              <a:rPr lang="en-US" dirty="0"/>
               <a:t>Third level</a:t>
             </a:r>
           </a:p>
           <a:p>
             <a:pPr lvl="3"/>
             <a:r>
-              <a:rPr lang="en-US" dirty="0" smtClean="0"/>
+              <a:rPr lang="en-US" dirty="0"/>
               <a:t>Fourth level</a:t>
             </a:r>
           </a:p>
           <a:p>
             <a:pPr lvl="4"/>
             <a:r>
-              <a:rPr lang="en-US" dirty="0" smtClean="0"/>
+              <a:rPr lang="en-US" dirty="0"/>
               <a:t>Fifth level</a:t>
             </a:r>
-            <a:endParaRPr lang="en-US" dirty="0"/>
           </a:p>
         </p:txBody>
       </p:sp>
@@ -2566,7 +2529,7 @@
           <a:p>
             <a:fld id="{FF5D65A6-AB94-4435-B0B7-3743215FA46C}" type="datetime1">
               <a:rPr lang="en-US" smtClean="0"/>
-              <a:t>10/26/2015</a:t>
+              <a:t>10/23/2016</a:t>
             </a:fld>
             <a:endParaRPr lang="en-US"/>
           </a:p>
@@ -2624,13 +2587,6 @@
   <p:clrMapOvr>
     <a:masterClrMapping/>
   </p:clrMapOvr>
-  <p:timing>
-    <p:tnLst>
-      <p:par>
-        <p:cTn id="1" dur="indefinite" restart="never" nodeType="tmRoot"/>
-      </p:par>
-    </p:tnLst>
-  </p:timing>
 </p:sldLayout>
 </file>
 
@@ -2667,10 +2623,9 @@
           <a:lstStyle/>
           <a:p>
             <a:r>
-              <a:rPr lang="en-US" smtClean="0"/>
+              <a:rPr lang="en-US"/>
               <a:t>Click to edit Master title style</a:t>
             </a:r>
-            <a:endParaRPr lang="en-US"/>
           </a:p>
         </p:txBody>
       </p:sp>
@@ -2699,38 +2654,37 @@
           <a:p>
             <a:pPr lvl="0"/>
             <a:r>
-              <a:rPr lang="en-US" dirty="0" smtClean="0"/>
+              <a:rPr lang="en-US" dirty="0"/>
               <a:t>Click to edit Master text styles</a:t>
             </a:r>
           </a:p>
           <a:p>
             <a:pPr lvl="1"/>
             <a:r>
-              <a:rPr lang="en-US" dirty="0" smtClean="0"/>
+              <a:rPr lang="en-US" dirty="0"/>
               <a:t>Second level</a:t>
             </a:r>
           </a:p>
           <a:p>
             <a:pPr lvl="2"/>
             <a:r>
-              <a:rPr lang="en-US" dirty="0" smtClean="0"/>
+              <a:rPr lang="en-US" dirty="0"/>
               <a:t>Third level</a:t>
             </a:r>
           </a:p>
           <a:p>
             <a:pPr lvl="3"/>
             <a:r>
-              <a:rPr lang="en-US" dirty="0" smtClean="0"/>
+              <a:rPr lang="en-US" dirty="0"/>
               <a:t>Fourth level</a:t>
             </a:r>
           </a:p>
           <a:p>
             <a:pPr lvl="4"/>
             <a:r>
-              <a:rPr lang="en-US" dirty="0" smtClean="0"/>
+              <a:rPr lang="en-US" dirty="0"/>
               <a:t>Fifth level</a:t>
             </a:r>
-            <a:endParaRPr lang="en-US" dirty="0"/>
           </a:p>
         </p:txBody>
       </p:sp>
@@ -2751,7 +2705,7 @@
           <a:p>
             <a:fld id="{FF5D65A6-AB94-4435-B0B7-3743215FA46C}" type="datetime1">
               <a:rPr lang="en-US" smtClean="0"/>
-              <a:t>10/26/2015</a:t>
+              <a:t>10/23/2016</a:t>
             </a:fld>
             <a:endParaRPr lang="en-US"/>
           </a:p>
@@ -2858,13 +2812,6 @@
   <p:clrMapOvr>
     <a:masterClrMapping/>
   </p:clrMapOvr>
-  <p:timing>
-    <p:tnLst>
-      <p:par>
-        <p:cTn id="1" dur="indefinite" restart="never" nodeType="tmRoot"/>
-      </p:par>
-    </p:tnLst>
-  </p:timing>
 </p:sldLayout>
 </file>
 
@@ -2910,10 +2857,9 @@
           </a:lstStyle>
           <a:p>
             <a:r>
-              <a:rPr lang="en-US" smtClean="0"/>
+              <a:rPr lang="en-US"/>
               <a:t>Click to edit Master title style</a:t>
             </a:r>
-            <a:endParaRPr lang="en-US"/>
           </a:p>
         </p:txBody>
       </p:sp>
@@ -3030,7 +2976,7 @@
           <a:p>
             <a:pPr lvl="0"/>
             <a:r>
-              <a:rPr lang="en-US" smtClean="0"/>
+              <a:rPr lang="en-US"/>
               <a:t>Click to edit Master text styles</a:t>
             </a:r>
           </a:p>
@@ -3053,7 +2999,7 @@
           <a:p>
             <a:fld id="{7C193DC4-6EF0-48C9-B29C-616106A645E1}" type="datetime1">
               <a:rPr lang="en-US" smtClean="0"/>
-              <a:t>10/26/2015</a:t>
+              <a:t>10/23/2016</a:t>
             </a:fld>
             <a:endParaRPr lang="en-US"/>
           </a:p>
@@ -3147,10 +3093,9 @@
           <a:lstStyle/>
           <a:p>
             <a:r>
-              <a:rPr lang="en-US" smtClean="0"/>
+              <a:rPr lang="en-US"/>
               <a:t>Click to edit Master title style</a:t>
             </a:r>
-            <a:endParaRPr lang="en-US"/>
           </a:p>
         </p:txBody>
       </p:sp>
@@ -3204,38 +3149,37 @@
           <a:p>
             <a:pPr lvl="0"/>
             <a:r>
-              <a:rPr lang="en-US" smtClean="0"/>
+              <a:rPr lang="en-US"/>
               <a:t>Click to edit Master text styles</a:t>
             </a:r>
           </a:p>
           <a:p>
             <a:pPr lvl="1"/>
             <a:r>
-              <a:rPr lang="en-US" smtClean="0"/>
+              <a:rPr lang="en-US"/>
               <a:t>Second level</a:t>
             </a:r>
           </a:p>
           <a:p>
             <a:pPr lvl="2"/>
             <a:r>
-              <a:rPr lang="en-US" smtClean="0"/>
+              <a:rPr lang="en-US"/>
               <a:t>Third level</a:t>
             </a:r>
           </a:p>
           <a:p>
             <a:pPr lvl="3"/>
             <a:r>
-              <a:rPr lang="en-US" smtClean="0"/>
+              <a:rPr lang="en-US"/>
               <a:t>Fourth level</a:t>
             </a:r>
           </a:p>
           <a:p>
             <a:pPr lvl="4"/>
             <a:r>
-              <a:rPr lang="en-US" smtClean="0"/>
+              <a:rPr lang="en-US"/>
               <a:t>Fifth level</a:t>
             </a:r>
-            <a:endParaRPr lang="en-US"/>
           </a:p>
         </p:txBody>
       </p:sp>
@@ -3289,38 +3233,37 @@
           <a:p>
             <a:pPr lvl="0"/>
             <a:r>
-              <a:rPr lang="en-US" smtClean="0"/>
+              <a:rPr lang="en-US"/>
               <a:t>Click to edit Master text styles</a:t>
             </a:r>
           </a:p>
           <a:p>
             <a:pPr lvl="1"/>
             <a:r>
-              <a:rPr lang="en-US" smtClean="0"/>
+              <a:rPr lang="en-US"/>
               <a:t>Second level</a:t>
             </a:r>
           </a:p>
           <a:p>
             <a:pPr lvl="2"/>
             <a:r>
-              <a:rPr lang="en-US" smtClean="0"/>
+              <a:rPr lang="en-US"/>
               <a:t>Third level</a:t>
             </a:r>
           </a:p>
           <a:p>
             <a:pPr lvl="3"/>
             <a:r>
-              <a:rPr lang="en-US" smtClean="0"/>
+              <a:rPr lang="en-US"/>
               <a:t>Fourth level</a:t>
             </a:r>
           </a:p>
           <a:p>
             <a:pPr lvl="4"/>
             <a:r>
-              <a:rPr lang="en-US" smtClean="0"/>
+              <a:rPr lang="en-US"/>
               <a:t>Fifth level</a:t>
             </a:r>
-            <a:endParaRPr lang="en-US"/>
           </a:p>
         </p:txBody>
       </p:sp>
@@ -3341,7 +3284,7 @@
           <a:p>
             <a:fld id="{5D1846AD-9252-4647-9435-4C2AC365653A}" type="datetime1">
               <a:rPr lang="en-US" smtClean="0"/>
-              <a:t>10/26/2015</a:t>
+              <a:t>10/23/2016</a:t>
             </a:fld>
             <a:endParaRPr lang="en-US"/>
           </a:p>
@@ -3439,10 +3382,9 @@
           </a:lstStyle>
           <a:p>
             <a:r>
-              <a:rPr lang="en-US" smtClean="0"/>
+              <a:rPr lang="en-US"/>
               <a:t>Click to edit Master title style</a:t>
             </a:r>
-            <a:endParaRPr lang="en-US"/>
           </a:p>
         </p:txBody>
       </p:sp>
@@ -3505,7 +3447,7 @@
           <a:p>
             <a:pPr lvl="0"/>
             <a:r>
-              <a:rPr lang="en-US" smtClean="0"/>
+              <a:rPr lang="en-US"/>
               <a:t>Click to edit Master text styles</a:t>
             </a:r>
           </a:p>
@@ -3561,38 +3503,37 @@
           <a:p>
             <a:pPr lvl="0"/>
             <a:r>
-              <a:rPr lang="en-US" smtClean="0"/>
+              <a:rPr lang="en-US"/>
               <a:t>Click to edit Master text styles</a:t>
             </a:r>
           </a:p>
           <a:p>
             <a:pPr lvl="1"/>
             <a:r>
-              <a:rPr lang="en-US" smtClean="0"/>
+              <a:rPr lang="en-US"/>
               <a:t>Second level</a:t>
             </a:r>
           </a:p>
           <a:p>
             <a:pPr lvl="2"/>
             <a:r>
-              <a:rPr lang="en-US" smtClean="0"/>
+              <a:rPr lang="en-US"/>
               <a:t>Third level</a:t>
             </a:r>
           </a:p>
           <a:p>
             <a:pPr lvl="3"/>
             <a:r>
-              <a:rPr lang="en-US" smtClean="0"/>
+              <a:rPr lang="en-US"/>
               <a:t>Fourth level</a:t>
             </a:r>
           </a:p>
           <a:p>
             <a:pPr lvl="4"/>
             <a:r>
-              <a:rPr lang="en-US" smtClean="0"/>
+              <a:rPr lang="en-US"/>
               <a:t>Fifth level</a:t>
             </a:r>
-            <a:endParaRPr lang="en-US"/>
           </a:p>
         </p:txBody>
       </p:sp>
@@ -3655,7 +3596,7 @@
           <a:p>
             <a:pPr lvl="0"/>
             <a:r>
-              <a:rPr lang="en-US" smtClean="0"/>
+              <a:rPr lang="en-US"/>
               <a:t>Click to edit Master text styles</a:t>
             </a:r>
           </a:p>
@@ -3711,38 +3652,37 @@
           <a:p>
             <a:pPr lvl="0"/>
             <a:r>
-              <a:rPr lang="en-US" smtClean="0"/>
+              <a:rPr lang="en-US"/>
               <a:t>Click to edit Master text styles</a:t>
             </a:r>
           </a:p>
           <a:p>
             <a:pPr lvl="1"/>
             <a:r>
-              <a:rPr lang="en-US" smtClean="0"/>
+              <a:rPr lang="en-US"/>
               <a:t>Second level</a:t>
             </a:r>
           </a:p>
           <a:p>
             <a:pPr lvl="2"/>
             <a:r>
-              <a:rPr lang="en-US" smtClean="0"/>
+              <a:rPr lang="en-US"/>
               <a:t>Third level</a:t>
             </a:r>
           </a:p>
           <a:p>
             <a:pPr lvl="3"/>
             <a:r>
-              <a:rPr lang="en-US" smtClean="0"/>
+              <a:rPr lang="en-US"/>
               <a:t>Fourth level</a:t>
             </a:r>
           </a:p>
           <a:p>
             <a:pPr lvl="4"/>
             <a:r>
-              <a:rPr lang="en-US" smtClean="0"/>
+              <a:rPr lang="en-US"/>
               <a:t>Fifth level</a:t>
             </a:r>
-            <a:endParaRPr lang="en-US"/>
           </a:p>
         </p:txBody>
       </p:sp>
@@ -3763,7 +3703,7 @@
           <a:p>
             <a:fld id="{CE56DC10-3561-4063-A6AF-C1CC7A41040A}" type="datetime1">
               <a:rPr lang="en-US" smtClean="0"/>
-              <a:t>10/26/2015</a:t>
+              <a:t>10/23/2016</a:t>
             </a:fld>
             <a:endParaRPr lang="en-US"/>
           </a:p>
@@ -3857,10 +3797,9 @@
           <a:lstStyle/>
           <a:p>
             <a:r>
-              <a:rPr lang="en-US" smtClean="0"/>
+              <a:rPr lang="en-US"/>
               <a:t>Click to edit Master title style</a:t>
             </a:r>
-            <a:endParaRPr lang="en-US"/>
           </a:p>
         </p:txBody>
       </p:sp>
@@ -3881,7 +3820,7 @@
           <a:p>
             <a:fld id="{2F7B77F5-1464-4F6B-92A8-64FC8A508293}" type="datetime1">
               <a:rPr lang="en-US" smtClean="0"/>
-              <a:t>10/26/2015</a:t>
+              <a:t>10/23/2016</a:t>
             </a:fld>
             <a:endParaRPr lang="en-US"/>
           </a:p>
@@ -3939,13 +3878,6 @@
   <p:clrMapOvr>
     <a:masterClrMapping/>
   </p:clrMapOvr>
-  <p:timing>
-    <p:tnLst>
-      <p:par>
-        <p:cTn id="1" dur="indefinite" restart="never" nodeType="tmRoot"/>
-      </p:par>
-    </p:tnLst>
-  </p:timing>
 </p:sldLayout>
 </file>
 
@@ -4009,10 +3941,9 @@
           <a:lstStyle/>
           <a:p>
             <a:r>
-              <a:rPr lang="en-US" smtClean="0"/>
+              <a:rPr lang="en-US"/>
               <a:t>Click to edit Master title style</a:t>
             </a:r>
-            <a:endParaRPr lang="en-US"/>
           </a:p>
         </p:txBody>
       </p:sp>
@@ -4043,38 +3974,37 @@
           <a:p>
             <a:pPr lvl="0"/>
             <a:r>
-              <a:rPr lang="en-US" smtClean="0"/>
+              <a:rPr lang="en-US"/>
               <a:t>Click to edit Master text styles</a:t>
             </a:r>
           </a:p>
           <a:p>
             <a:pPr lvl="1"/>
             <a:r>
-              <a:rPr lang="en-US" smtClean="0"/>
+              <a:rPr lang="en-US"/>
               <a:t>Second level</a:t>
             </a:r>
           </a:p>
           <a:p>
             <a:pPr lvl="2"/>
             <a:r>
-              <a:rPr lang="en-US" smtClean="0"/>
+              <a:rPr lang="en-US"/>
               <a:t>Third level</a:t>
             </a:r>
           </a:p>
           <a:p>
             <a:pPr lvl="3"/>
             <a:r>
-              <a:rPr lang="en-US" smtClean="0"/>
+              <a:rPr lang="en-US"/>
               <a:t>Fourth level</a:t>
             </a:r>
           </a:p>
           <a:p>
             <a:pPr lvl="4"/>
             <a:r>
-              <a:rPr lang="en-US" smtClean="0"/>
+              <a:rPr lang="en-US"/>
               <a:t>Fifth level</a:t>
             </a:r>
-            <a:endParaRPr lang="en-US"/>
           </a:p>
         </p:txBody>
       </p:sp>
@@ -4113,7 +4043,7 @@
           <a:p>
             <a:fld id="{02B3F677-983B-48DB-ADFD-63FE6CBC7FB2}" type="datetime1">
               <a:rPr lang="en-US" smtClean="0"/>
-              <a:t>10/26/2015</a:t>
+              <a:t>10/23/2016</a:t>
             </a:fld>
             <a:endParaRPr lang="en-US"/>
           </a:p>
@@ -4221,13 +4151,6 @@
     <p:sldLayoutId id="2147483673" r:id="rId13"/>
     <p:sldLayoutId id="2147483674" r:id="rId14"/>
   </p:sldLayoutIdLst>
-  <p:timing>
-    <p:tnLst>
-      <p:par>
-        <p:cTn id="1" dur="indefinite" restart="never" nodeType="tmRoot"/>
-      </p:par>
-    </p:tnLst>
-  </p:timing>
   <p:hf hdr="0" ftr="0" dt="0"/>
   <p:txStyles>
     <p:titleStyle>
@@ -4515,41 +4438,40 @@
           <a:lstStyle/>
           <a:p>
             <a:r>
-              <a:rPr lang="en-US" dirty="0" smtClean="0"/>
+              <a:rPr lang="en-US" dirty="0"/>
               <a:t>Linear Search</a:t>
             </a:r>
+          </a:p>
+        </p:txBody>
+      </p:sp>
+      <p:sp>
+        <p:nvSpPr>
+          <p:cNvPr id="3" name="Subtitle 2"/>
+          <p:cNvSpPr>
+            <a:spLocks noGrp="1"/>
+          </p:cNvSpPr>
+          <p:nvPr>
+            <p:ph type="subTitle" idx="1"/>
+          </p:nvPr>
+        </p:nvSpPr>
+        <p:spPr/>
+        <p:txBody>
+          <a:bodyPr/>
+          <a:lstStyle/>
+          <a:p>
+            <a:r>
+              <a:rPr lang="en-US" dirty="0"/>
+              <a:t>CS 5010 Program Design Paradigms “Bootcamp”</a:t>
+            </a:r>
+          </a:p>
+          <a:p>
+            <a:r>
+              <a:rPr lang="en-US" dirty="0"/>
+              <a:t>Lesson 8.3</a:t>
+            </a:r>
+          </a:p>
+          <a:p>
             <a:endParaRPr lang="en-US" dirty="0"/>
-          </a:p>
-        </p:txBody>
-      </p:sp>
-      <p:sp>
-        <p:nvSpPr>
-          <p:cNvPr id="3" name="Subtitle 2"/>
-          <p:cNvSpPr>
-            <a:spLocks noGrp="1"/>
-          </p:cNvSpPr>
-          <p:nvPr>
-            <p:ph type="subTitle" idx="1"/>
-          </p:nvPr>
-        </p:nvSpPr>
-        <p:spPr/>
-        <p:txBody>
-          <a:bodyPr/>
-          <a:lstStyle/>
-          <a:p>
-            <a:r>
-              <a:rPr lang="en-US" dirty="0" smtClean="0"/>
-              <a:t>CS 5010 Program Design Paradigms “Bootcamp”</a:t>
-            </a:r>
-          </a:p>
-          <a:p>
-            <a:r>
-              <a:rPr lang="en-US" dirty="0" smtClean="0"/>
-              <a:t>Lesson 8.5</a:t>
-            </a:r>
-          </a:p>
-          <a:p>
-            <a:endParaRPr lang="en-US" dirty="0" smtClean="0"/>
           </a:p>
           <a:p>
             <a:endParaRPr lang="en-US" dirty="0"/>
@@ -4607,29 +4529,29 @@
           <a:lstStyle/>
           <a:p>
             <a:r>
-              <a:rPr lang="en-US" smtClean="0"/>
+              <a:rPr lang="en-US"/>
               <a:t>TexPoint fonts used in EMF. </a:t>
             </a:r>
           </a:p>
           <a:p>
             <a:r>
-              <a:rPr lang="en-US" smtClean="0"/>
+              <a:rPr lang="en-US"/>
               <a:t>Read the TexPoint manual before you delete this box.: </a:t>
             </a:r>
             <a:r>
-              <a:rPr lang="en-US" smtClean="0">
+              <a:rPr lang="en-US">
                 <a:latin typeface="CMMI10"/>
               </a:rPr>
               <a:t>A</a:t>
             </a:r>
             <a:r>
-              <a:rPr lang="en-US" smtClean="0">
+              <a:rPr lang="en-US">
                 <a:latin typeface="CMR10"/>
               </a:rPr>
               <a:t>A</a:t>
             </a:r>
             <a:r>
-              <a:rPr lang="en-US" smtClean="0">
+              <a:rPr lang="en-US">
                 <a:latin typeface="CMSY10ORIG"/>
               </a:rPr>
               <a:t>A</a:t>
@@ -4710,28 +4632,14 @@
               </a:r>
               <a:r>
                 <a:rPr lang="en-US" sz="1000"/>
-                <a:t>, </a:t>
+                <a:t>, 2012-2015</a:t>
               </a:r>
-              <a:r>
-                <a:rPr lang="en-US" sz="1000" smtClean="0"/>
-                <a:t>2012-2015</a:t>
-              </a:r>
-              <a:endParaRPr lang="en-US" sz="1000" dirty="0" smtClean="0"/>
+              <a:endParaRPr lang="en-US" sz="1000" dirty="0"/>
             </a:p>
             <a:p>
               <a:r>
-                <a:rPr lang="en-US" sz="1000" dirty="0" smtClean="0"/>
+                <a:rPr lang="en-US" sz="1000" dirty="0"/>
                 <a:t>This work is licensed under a </a:t>
-              </a:r>
-              <a:r>
-                <a:rPr lang="en-US" altLang="en-US" sz="1000" dirty="0" smtClean="0">
-                  <a:solidFill>
-                    <a:srgbClr val="4374B7"/>
-                  </a:solidFill>
-                  <a:latin typeface="Helvetica Neue"/>
-                  <a:hlinkClick r:id="rId5"/>
-                </a:rPr>
-                <a:t>Creative </a:t>
               </a:r>
               <a:r>
                 <a:rPr lang="en-US" altLang="en-US" sz="1000" dirty="0">
@@ -4741,7 +4649,7 @@
                   <a:latin typeface="Helvetica Neue"/>
                   <a:hlinkClick r:id="rId5"/>
                 </a:rPr>
-                <a:t>Commons Attribution-</a:t>
+                <a:t>Creative Commons Attribution-</a:t>
               </a:r>
               <a:r>
                 <a:rPr lang="en-US" altLang="en-US" sz="1000" dirty="0" err="1">
@@ -4764,10 +4672,9 @@
                 <a:t> 4.0 International License</a:t>
               </a:r>
               <a:r>
-                <a:rPr lang="en-US" sz="1000" dirty="0" smtClean="0"/>
+                <a:rPr lang="en-US" sz="1000" dirty="0"/>
                 <a:t>.</a:t>
               </a:r>
-              <a:endParaRPr lang="en-US" sz="1000" dirty="0"/>
             </a:p>
           </p:txBody>
         </p:sp>
@@ -4782,13 +4689,6 @@
   <p:clrMapOvr>
     <a:masterClrMapping/>
   </p:clrMapOvr>
-  <p:timing>
-    <p:tnLst>
-      <p:par>
-        <p:cTn id="1" dur="indefinite" restart="never" nodeType="tmRoot"/>
-      </p:par>
-    </p:tnLst>
-  </p:timing>
 </p:sld>
 </file>
 
@@ -4827,10 +4727,9 @@
           <a:lstStyle/>
           <a:p>
             <a:r>
-              <a:rPr lang="en-US" dirty="0" smtClean="0"/>
+              <a:rPr lang="en-US" dirty="0"/>
               <a:t>What else do we know about this function?</a:t>
             </a:r>
-            <a:endParaRPr lang="en-US" dirty="0"/>
           </a:p>
         </p:txBody>
       </p:sp>
@@ -4852,25 +4751,25 @@
           <a:lstStyle/>
           <a:p>
             <a:r>
-              <a:rPr lang="en-US" b="0" dirty="0" smtClean="0">
+              <a:rPr lang="en-US" b="0" dirty="0">
                 <a:latin typeface="+mn-lt"/>
               </a:rPr>
               <a:t>if </a:t>
             </a:r>
             <a:r>
-              <a:rPr lang="en-US" dirty="0" err="1" smtClean="0">
+              <a:rPr lang="en-US" dirty="0" err="1">
                 <a:latin typeface="+mn-lt"/>
               </a:rPr>
               <a:t>i</a:t>
             </a:r>
             <a:r>
-              <a:rPr lang="en-US" dirty="0" smtClean="0">
+              <a:rPr lang="en-US" dirty="0">
                 <a:latin typeface="+mn-lt"/>
               </a:rPr>
               <a:t> &lt; hi</a:t>
             </a:r>
             <a:r>
-              <a:rPr lang="en-US" b="0" dirty="0" smtClean="0">
+              <a:rPr lang="en-US" b="0" dirty="0">
                 <a:latin typeface="+mn-lt"/>
               </a:rPr>
               <a:t>, then</a:t>
@@ -4878,7 +4777,7 @@
           </a:p>
           <a:p>
             <a:r>
-              <a:rPr lang="en-US" sz="2800" dirty="0" smtClean="0"/>
+              <a:rPr lang="en-US" sz="2800" dirty="0"/>
               <a:t>(generalized-function-sum </a:t>
             </a:r>
             <a:r>
@@ -4897,152 +4796,95 @@
               <a:rPr lang="en-US" sz="2800" dirty="0"/>
               <a:t> f)</a:t>
             </a:r>
-            <a:endParaRPr lang="en-US" sz="2800" b="0" dirty="0" smtClean="0">
+            <a:endParaRPr lang="en-US" sz="2800" b="0" dirty="0">
               <a:latin typeface="+mn-lt"/>
             </a:endParaRPr>
           </a:p>
           <a:p>
             <a:r>
-              <a:rPr lang="en-US" sz="2800" dirty="0" smtClean="0"/>
+              <a:rPr lang="en-US" sz="2800" dirty="0"/>
               <a:t>= </a:t>
             </a:r>
             <a:r>
-              <a:rPr lang="en-US" sz="2800" dirty="0" err="1" smtClean="0"/>
+              <a:rPr lang="en-US" sz="2800" dirty="0" err="1"/>
               <a:t>sofar</a:t>
             </a:r>
             <a:r>
-              <a:rPr lang="en-US" sz="2800" dirty="0" smtClean="0"/>
-              <a:t> </a:t>
-            </a:r>
-            <a:r>
               <a:rPr lang="en-US" sz="2800" dirty="0"/>
-              <a:t>+ SUM{f(j</a:t>
-            </a:r>
-            <a:r>
-              <a:rPr lang="en-US" sz="2800" dirty="0" smtClean="0"/>
-              <a:t>)|</a:t>
-            </a:r>
-            <a:r>
-              <a:rPr lang="en-US" sz="2800" dirty="0" err="1" smtClean="0"/>
+              <a:t> + SUM{f(j)|</a:t>
+            </a:r>
+            <a:r>
+              <a:rPr lang="en-US" sz="2800" dirty="0" err="1"/>
               <a:t>i</a:t>
             </a:r>
             <a:r>
-              <a:rPr lang="en-US" sz="2800" dirty="0" smtClean="0"/>
-              <a:t> ≤ </a:t>
-            </a:r>
-            <a:r>
               <a:rPr lang="en-US" sz="2800" dirty="0"/>
-              <a:t>j </a:t>
-            </a:r>
-            <a:r>
-              <a:rPr lang="en-US" sz="2800" dirty="0" smtClean="0"/>
-              <a:t>≤ </a:t>
-            </a:r>
+              <a:t> ≤ j ≤ hi}</a:t>
+            </a:r>
+          </a:p>
+          <a:p>
             <a:r>
               <a:rPr lang="en-US" sz="2800" dirty="0"/>
-              <a:t>hi</a:t>
-            </a:r>
-            <a:r>
-              <a:rPr lang="en-US" sz="2800" dirty="0" smtClean="0"/>
-              <a:t>}</a:t>
-            </a:r>
-          </a:p>
-          <a:p>
-            <a:r>
-              <a:rPr lang="en-US" sz="2800" dirty="0" smtClean="0"/>
               <a:t>= (</a:t>
             </a:r>
             <a:r>
-              <a:rPr lang="en-US" sz="2800" dirty="0" err="1" smtClean="0"/>
+              <a:rPr lang="en-US" sz="2800" dirty="0" err="1"/>
               <a:t>sofar</a:t>
             </a:r>
             <a:r>
-              <a:rPr lang="en-US" sz="2800" dirty="0" smtClean="0"/>
-              <a:t> </a:t>
-            </a:r>
-            <a:r>
               <a:rPr lang="en-US" sz="2800" dirty="0"/>
-              <a:t>+ </a:t>
-            </a:r>
-            <a:r>
-              <a:rPr lang="en-US" sz="2800" dirty="0" smtClean="0"/>
-              <a:t>f(</a:t>
-            </a:r>
-            <a:r>
-              <a:rPr lang="en-US" sz="2800" dirty="0" err="1" smtClean="0"/>
+              <a:t> + f(</a:t>
+            </a:r>
+            <a:r>
+              <a:rPr lang="en-US" sz="2800" dirty="0" err="1"/>
               <a:t>i</a:t>
             </a:r>
             <a:r>
-              <a:rPr lang="en-US" sz="2800" dirty="0" smtClean="0"/>
+              <a:rPr lang="en-US" sz="2800" dirty="0"/>
               <a:t>))</a:t>
             </a:r>
           </a:p>
           <a:p>
             <a:r>
               <a:rPr lang="en-US" sz="2800" dirty="0"/>
-              <a:t> </a:t>
-            </a:r>
-            <a:r>
-              <a:rPr lang="en-US" sz="2800" dirty="0" smtClean="0"/>
-              <a:t>   + SUM{f(j)|i+1 ≤ </a:t>
-            </a:r>
+              <a:t>    + SUM{f(j)|i+1 ≤ j ≤ hi}</a:t>
+            </a:r>
+          </a:p>
+          <a:p>
             <a:r>
               <a:rPr lang="en-US" sz="2800" dirty="0"/>
-              <a:t>j </a:t>
-            </a:r>
-            <a:r>
-              <a:rPr lang="en-US" sz="2800" dirty="0" smtClean="0"/>
-              <a:t>≤ </a:t>
-            </a:r>
+              <a:t>= (generalized-function-sum</a:t>
+            </a:r>
+          </a:p>
+          <a:p>
             <a:r>
               <a:rPr lang="en-US" sz="2800" dirty="0"/>
-              <a:t>hi</a:t>
-            </a:r>
-            <a:r>
-              <a:rPr lang="en-US" sz="2800" dirty="0" smtClean="0"/>
-              <a:t>}</a:t>
-            </a:r>
-          </a:p>
-          <a:p>
-            <a:r>
-              <a:rPr lang="en-US" sz="2800" dirty="0" smtClean="0"/>
-              <a:t>= (generalized-function-sum</a:t>
-            </a:r>
-          </a:p>
-          <a:p>
+              <a:t>     (+ </a:t>
+            </a:r>
+            <a:r>
+              <a:rPr lang="en-US" sz="2800" dirty="0" err="1"/>
+              <a:t>i</a:t>
+            </a:r>
             <a:r>
               <a:rPr lang="en-US" sz="2800" dirty="0"/>
-              <a:t> </a:t>
-            </a:r>
-            <a:r>
-              <a:rPr lang="en-US" sz="2800" dirty="0" smtClean="0"/>
-              <a:t>    (+ </a:t>
-            </a:r>
-            <a:r>
-              <a:rPr lang="en-US" sz="2800" dirty="0" err="1" smtClean="0"/>
+              <a:t> 1) hi (+ </a:t>
+            </a:r>
+            <a:r>
+              <a:rPr lang="en-US" sz="2800" dirty="0" err="1"/>
+              <a:t>sofar</a:t>
+            </a:r>
+            <a:r>
+              <a:rPr lang="en-US" sz="2800" dirty="0"/>
+              <a:t> (f </a:t>
+            </a:r>
+            <a:r>
+              <a:rPr lang="en-US" sz="2800" dirty="0" err="1"/>
               <a:t>i</a:t>
             </a:r>
             <a:r>
-              <a:rPr lang="en-US" sz="2800" dirty="0" smtClean="0"/>
-              <a:t> 1) hi (+ </a:t>
-            </a:r>
-            <a:r>
-              <a:rPr lang="en-US" sz="2800" dirty="0" err="1" smtClean="0"/>
-              <a:t>sofar</a:t>
-            </a:r>
-            <a:r>
-              <a:rPr lang="en-US" sz="2800" dirty="0" smtClean="0"/>
-              <a:t> (f </a:t>
-            </a:r>
-            <a:r>
-              <a:rPr lang="en-US" sz="2800" dirty="0" err="1" smtClean="0"/>
-              <a:t>i</a:t>
-            </a:r>
-            <a:r>
-              <a:rPr lang="en-US" sz="2800" dirty="0" smtClean="0"/>
+              <a:rPr lang="en-US" sz="2800" dirty="0"/>
               <a:t>)) f)</a:t>
             </a:r>
-            <a:endParaRPr lang="en-US" sz="2800" dirty="0"/>
           </a:p>
         </p:txBody>
       </p:sp>
@@ -5085,12 +4927,14 @@
             <a:avLst/>
           </a:prstGeom>
           <a:solidFill>
-            <a:schemeClr val="accent3">
-              <a:lumMod val="40000"/>
-              <a:lumOff val="60000"/>
+            <a:schemeClr val="accent1">
+              <a:lumMod val="20000"/>
+              <a:lumOff val="80000"/>
             </a:schemeClr>
           </a:solidFill>
-          <a:ln/>
+          <a:ln>
+            <a:noFill/>
+          </a:ln>
         </p:spPr>
         <p:style>
           <a:lnRef idx="2">
@@ -5117,7 +4961,7 @@
           <a:p>
             <a:pPr algn="ctr"/>
             <a:r>
-              <a:rPr lang="en-US" dirty="0" smtClean="0">
+              <a:rPr lang="en-US" dirty="0">
                 <a:solidFill>
                   <a:schemeClr val="tx1"/>
                 </a:solidFill>
@@ -5125,7 +4969,7 @@
               <a:t>take (f </a:t>
             </a:r>
             <a:r>
-              <a:rPr lang="en-US" dirty="0" err="1" smtClean="0">
+              <a:rPr lang="en-US" dirty="0" err="1">
                 <a:solidFill>
                   <a:schemeClr val="tx1"/>
                 </a:solidFill>
@@ -5133,7 +4977,7 @@
               <a:t>i</a:t>
             </a:r>
             <a:r>
-              <a:rPr lang="en-US" dirty="0" smtClean="0">
+              <a:rPr lang="en-US" dirty="0">
                 <a:solidFill>
                   <a:schemeClr val="tx1"/>
                 </a:solidFill>
@@ -5153,13 +4997,6 @@
   <p:clrMapOvr>
     <a:masterClrMapping/>
   </p:clrMapOvr>
-  <p:timing>
-    <p:tnLst>
-      <p:par>
-        <p:cTn id="1" dur="indefinite" restart="never" nodeType="tmRoot"/>
-      </p:par>
-    </p:tnLst>
-  </p:timing>
 </p:sld>
 </file>
 
@@ -5198,10 +5035,9 @@
           <a:lstStyle/>
           <a:p>
             <a:r>
-              <a:rPr lang="en-US" dirty="0" smtClean="0"/>
+              <a:rPr lang="en-US" dirty="0"/>
               <a:t>So now we can write the function definition</a:t>
             </a:r>
-            <a:endParaRPr lang="en-US" dirty="0"/>
           </a:p>
         </p:txBody>
       </p:sp>
@@ -5229,13 +5065,8 @@
             </a:pPr>
             <a:r>
               <a:rPr lang="en-US" sz="2400" dirty="0"/>
-              <a:t>;; STRATEGY: </a:t>
-            </a:r>
-            <a:r>
-              <a:rPr lang="en-US" sz="2400" dirty="0" smtClean="0"/>
-              <a:t>If not done, recur on i+1.</a:t>
-            </a:r>
-            <a:endParaRPr lang="en-US" sz="2400" dirty="0"/>
+              <a:t>;; STRATEGY: If not done, recur on i+1.</a:t>
+            </a:r>
           </a:p>
           <a:p>
             <a:pPr>
@@ -5244,16 +5075,8 @@
               </a:spcBef>
             </a:pPr>
             <a:r>
-              <a:rPr lang="en-US" sz="2400" dirty="0" smtClean="0"/>
-              <a:t>(</a:t>
-            </a:r>
-            <a:r>
               <a:rPr lang="en-US" sz="2400" dirty="0"/>
-              <a:t>define </a:t>
-            </a:r>
-            <a:r>
-              <a:rPr lang="en-US" sz="2400" dirty="0" smtClean="0"/>
-              <a:t>(generalized-function-sum </a:t>
+              <a:t>(define (generalized-function-sum </a:t>
             </a:r>
             <a:r>
               <a:rPr lang="en-US" sz="2400" dirty="0" err="1"/>
@@ -5331,13 +5154,8 @@
             </a:pPr>
             <a:r>
               <a:rPr lang="en-US" sz="2400" dirty="0"/>
-              <a:t>    [else </a:t>
-            </a:r>
-            <a:r>
-              <a:rPr lang="en-US" sz="2400" dirty="0" smtClean="0"/>
-              <a:t>(generalized-function-sum</a:t>
-            </a:r>
-            <a:endParaRPr lang="en-US" sz="2400" dirty="0"/>
+              <a:t>    [else (generalized-function-sum</a:t>
+            </a:r>
           </a:p>
           <a:p>
             <a:pPr>
@@ -5443,13 +5261,6 @@
   <p:clrMapOvr>
     <a:masterClrMapping/>
   </p:clrMapOvr>
-  <p:timing>
-    <p:tnLst>
-      <p:par>
-        <p:cTn id="1" dur="indefinite" restart="never" nodeType="tmRoot"/>
-      </p:par>
-    </p:tnLst>
-  </p:timing>
 </p:sld>
 </file>
 
@@ -5488,10 +5299,9 @@
           <a:lstStyle/>
           <a:p>
             <a:r>
-              <a:rPr lang="en-US" dirty="0" smtClean="0"/>
+              <a:rPr lang="en-US" dirty="0"/>
               <a:t>What happens at the recursive call?</a:t>
             </a:r>
-            <a:endParaRPr lang="en-US" dirty="0"/>
           </a:p>
         </p:txBody>
       </p:sp>
@@ -5534,12 +5344,14 @@
             <a:avLst/>
           </a:prstGeom>
           <a:solidFill>
-            <a:schemeClr val="accent3">
-              <a:lumMod val="40000"/>
-              <a:lumOff val="60000"/>
+            <a:schemeClr val="accent1">
+              <a:lumMod val="20000"/>
+              <a:lumOff val="80000"/>
             </a:schemeClr>
           </a:solidFill>
-          <a:ln/>
+          <a:ln>
+            <a:noFill/>
+          </a:ln>
         </p:spPr>
         <p:style>
           <a:lnRef idx="2">
@@ -5566,7 +5378,7 @@
           <a:p>
             <a:pPr algn="ctr"/>
             <a:r>
-              <a:rPr lang="en-US" dirty="0" err="1" smtClean="0">
+              <a:rPr lang="en-US" dirty="0" err="1">
                 <a:solidFill>
                   <a:schemeClr val="tx1"/>
                 </a:solidFill>
@@ -5574,7 +5386,7 @@
               <a:t>sofar</a:t>
             </a:r>
             <a:r>
-              <a:rPr lang="en-US" dirty="0" smtClean="0">
+              <a:rPr lang="en-US" dirty="0">
                 <a:solidFill>
                   <a:schemeClr val="tx1"/>
                 </a:solidFill>
@@ -5716,16 +5528,12 @@
             <a:lstStyle/>
             <a:p>
               <a:r>
-                <a:rPr lang="en-US" sz="2400" b="1" dirty="0" smtClean="0">
+                <a:rPr lang="en-US" sz="2400" b="1" dirty="0">
                   <a:latin typeface="Consolas" pitchFamily="49" charset="0"/>
                   <a:cs typeface="Consolas" pitchFamily="49" charset="0"/>
                 </a:rPr>
                 <a:t>lo</a:t>
               </a:r>
-              <a:endParaRPr lang="en-US" sz="2400" b="1" dirty="0">
-                <a:latin typeface="Consolas" pitchFamily="49" charset="0"/>
-                <a:cs typeface="Consolas" pitchFamily="49" charset="0"/>
-              </a:endParaRPr>
             </a:p>
           </p:txBody>
         </p:sp>
@@ -5753,16 +5561,12 @@
             <a:p>
               <a:pPr algn="r"/>
               <a:r>
-                <a:rPr lang="en-US" sz="2400" b="1" dirty="0" smtClean="0">
+                <a:rPr lang="en-US" sz="2400" b="1" dirty="0">
                   <a:latin typeface="Consolas" pitchFamily="49" charset="0"/>
                   <a:cs typeface="Consolas" pitchFamily="49" charset="0"/>
                 </a:rPr>
                 <a:t>hi</a:t>
               </a:r>
-              <a:endParaRPr lang="en-US" sz="2400" b="1" dirty="0">
-                <a:latin typeface="Consolas" pitchFamily="49" charset="0"/>
-                <a:cs typeface="Consolas" pitchFamily="49" charset="0"/>
-              </a:endParaRPr>
             </a:p>
           </p:txBody>
         </p:sp>
@@ -6082,16 +5886,12 @@
             <a:lstStyle/>
             <a:p>
               <a:r>
-                <a:rPr lang="en-US" sz="2400" b="1" dirty="0" smtClean="0">
+                <a:rPr lang="en-US" sz="2400" b="1" dirty="0">
                   <a:latin typeface="Consolas" pitchFamily="49" charset="0"/>
                   <a:cs typeface="Consolas" pitchFamily="49" charset="0"/>
                 </a:rPr>
                 <a:t>lo</a:t>
               </a:r>
-              <a:endParaRPr lang="en-US" sz="2400" b="1" dirty="0">
-                <a:latin typeface="Consolas" pitchFamily="49" charset="0"/>
-                <a:cs typeface="Consolas" pitchFamily="49" charset="0"/>
-              </a:endParaRPr>
             </a:p>
           </p:txBody>
         </p:sp>
@@ -6119,16 +5919,12 @@
             <a:p>
               <a:pPr algn="r"/>
               <a:r>
-                <a:rPr lang="en-US" sz="2400" b="1" dirty="0" smtClean="0">
+                <a:rPr lang="en-US" sz="2400" b="1" dirty="0">
                   <a:latin typeface="Consolas" pitchFamily="49" charset="0"/>
                   <a:cs typeface="Consolas" pitchFamily="49" charset="0"/>
                 </a:rPr>
                 <a:t>hi</a:t>
               </a:r>
-              <a:endParaRPr lang="en-US" sz="2400" b="1" dirty="0">
-                <a:latin typeface="Consolas" pitchFamily="49" charset="0"/>
-                <a:cs typeface="Consolas" pitchFamily="49" charset="0"/>
-              </a:endParaRPr>
             </a:p>
           </p:txBody>
         </p:sp>
@@ -6265,16 +6061,12 @@
             <a:lstStyle/>
             <a:p>
               <a:r>
-                <a:rPr lang="en-US" sz="2400" b="1" dirty="0" smtClean="0">
+                <a:rPr lang="en-US" sz="2400" b="1" dirty="0">
                   <a:latin typeface="Consolas" pitchFamily="49" charset="0"/>
                   <a:cs typeface="Consolas" pitchFamily="49" charset="0"/>
                 </a:rPr>
                 <a:t>lo</a:t>
               </a:r>
-              <a:endParaRPr lang="en-US" sz="2400" b="1" dirty="0">
-                <a:latin typeface="Consolas" pitchFamily="49" charset="0"/>
-                <a:cs typeface="Consolas" pitchFamily="49" charset="0"/>
-              </a:endParaRPr>
             </a:p>
           </p:txBody>
         </p:sp>
@@ -6302,16 +6094,12 @@
             <a:p>
               <a:pPr algn="r"/>
               <a:r>
-                <a:rPr lang="en-US" sz="2400" b="1" dirty="0" smtClean="0">
+                <a:rPr lang="en-US" sz="2400" b="1" dirty="0">
                   <a:latin typeface="Consolas" pitchFamily="49" charset="0"/>
                   <a:cs typeface="Consolas" pitchFamily="49" charset="0"/>
                 </a:rPr>
                 <a:t>hi</a:t>
               </a:r>
-              <a:endParaRPr lang="en-US" sz="2400" b="1" dirty="0">
-                <a:latin typeface="Consolas" pitchFamily="49" charset="0"/>
-                <a:cs typeface="Consolas" pitchFamily="49" charset="0"/>
-              </a:endParaRPr>
             </a:p>
           </p:txBody>
         </p:sp>
@@ -6401,6 +6189,15 @@
           <a:prstGeom prst="rect">
             <a:avLst/>
           </a:prstGeom>
+          <a:solidFill>
+            <a:schemeClr val="accent1">
+              <a:lumMod val="20000"/>
+              <a:lumOff val="80000"/>
+            </a:schemeClr>
+          </a:solidFill>
+          <a:ln>
+            <a:noFill/>
+          </a:ln>
         </p:spPr>
         <p:style>
           <a:lnRef idx="2">
@@ -6423,7 +6220,7 @@
           <a:lstStyle/>
           <a:p>
             <a:r>
-              <a:rPr lang="en-US" sz="2400" dirty="0" smtClean="0"/>
+              <a:rPr lang="en-US" sz="2400" dirty="0"/>
               <a:t>The shaded region expands by one</a:t>
             </a:r>
           </a:p>
@@ -6675,10 +6472,9 @@
           <a:lstStyle/>
           <a:p>
             <a:r>
-              <a:rPr lang="en-US" dirty="0" smtClean="0"/>
+              <a:rPr lang="en-US" dirty="0"/>
               <a:t>What's the halting measure?</a:t>
             </a:r>
-            <a:endParaRPr lang="en-US" dirty="0"/>
           </a:p>
         </p:txBody>
       </p:sp>
@@ -6700,48 +6496,48 @@
           <a:lstStyle/>
           <a:p>
             <a:r>
-              <a:rPr lang="en-US" dirty="0" smtClean="0"/>
+              <a:rPr lang="en-US" dirty="0"/>
               <a:t>Proposed halting measure: </a:t>
             </a:r>
             <a:r>
-              <a:rPr lang="en-US" b="1" dirty="0" smtClean="0"/>
+              <a:rPr lang="en-US" b="1" dirty="0"/>
               <a:t>(hi – </a:t>
             </a:r>
             <a:r>
-              <a:rPr lang="en-US" b="1" dirty="0" err="1" smtClean="0"/>
+              <a:rPr lang="en-US" b="1" dirty="0" err="1"/>
               <a:t>i</a:t>
             </a:r>
             <a:r>
-              <a:rPr lang="en-US" b="1" dirty="0" smtClean="0"/>
+              <a:rPr lang="en-US" b="1" dirty="0"/>
               <a:t>)</a:t>
             </a:r>
             <a:r>
-              <a:rPr lang="en-US" dirty="0" smtClean="0"/>
+              <a:rPr lang="en-US" dirty="0"/>
               <a:t>.</a:t>
             </a:r>
           </a:p>
           <a:p>
             <a:r>
-              <a:rPr lang="en-US" dirty="0" smtClean="0"/>
-              <a:t>Termination argument:</a:t>
+              <a:rPr lang="en-US" dirty="0"/>
+              <a:t>Termination reasoning:</a:t>
             </a:r>
           </a:p>
           <a:p>
             <a:pPr lvl="1"/>
             <a:r>
-              <a:rPr lang="en-US" b="1" dirty="0" smtClean="0"/>
+              <a:rPr lang="en-US" b="1" dirty="0"/>
               <a:t>(hi – </a:t>
             </a:r>
             <a:r>
-              <a:rPr lang="en-US" b="1" dirty="0" err="1" smtClean="0"/>
+              <a:rPr lang="en-US" b="1" dirty="0" err="1"/>
               <a:t>i</a:t>
             </a:r>
             <a:r>
-              <a:rPr lang="en-US" b="1" dirty="0" smtClean="0"/>
+              <a:rPr lang="en-US" b="1" dirty="0"/>
               <a:t>) </a:t>
             </a:r>
             <a:r>
-              <a:rPr lang="en-US" dirty="0" smtClean="0"/>
+              <a:rPr lang="en-US" dirty="0"/>
               <a:t>is non-negative, because of the invariant </a:t>
             </a:r>
           </a:p>
@@ -6750,69 +6546,65 @@
               <a:buNone/>
             </a:pPr>
             <a:r>
-              <a:rPr lang="en-US" b="1" dirty="0" smtClean="0"/>
+              <a:rPr lang="en-US" b="1" dirty="0"/>
               <a:t>	</a:t>
             </a:r>
             <a:r>
-              <a:rPr lang="en-US" b="1" dirty="0" err="1" smtClean="0"/>
+              <a:rPr lang="en-US" b="1" dirty="0" err="1"/>
               <a:t>i</a:t>
             </a:r>
             <a:r>
-              <a:rPr lang="en-US" b="1" dirty="0" smtClean="0"/>
+              <a:rPr lang="en-US" b="1" dirty="0"/>
               <a:t> ≤ hi</a:t>
             </a:r>
           </a:p>
           <a:p>
             <a:pPr lvl="1"/>
             <a:r>
-              <a:rPr lang="en-US" b="1" dirty="0" err="1" smtClean="0"/>
+              <a:rPr lang="en-US" b="1" dirty="0" err="1"/>
               <a:t>i</a:t>
             </a:r>
             <a:r>
-              <a:rPr lang="en-US" dirty="0" smtClean="0"/>
+              <a:rPr lang="en-US" dirty="0"/>
               <a:t> increases at every call, so </a:t>
             </a:r>
             <a:r>
-              <a:rPr lang="en-US" b="1" dirty="0" smtClean="0"/>
+              <a:rPr lang="en-US" b="1" dirty="0"/>
               <a:t>(hi – </a:t>
             </a:r>
             <a:r>
-              <a:rPr lang="en-US" b="1" dirty="0" err="1" smtClean="0"/>
+              <a:rPr lang="en-US" b="1" dirty="0" err="1"/>
               <a:t>i</a:t>
             </a:r>
             <a:r>
-              <a:rPr lang="en-US" b="1" dirty="0" smtClean="0"/>
+              <a:rPr lang="en-US" b="1" dirty="0"/>
               <a:t>) </a:t>
             </a:r>
             <a:r>
-              <a:rPr lang="en-US" dirty="0" smtClean="0"/>
+              <a:rPr lang="en-US" dirty="0"/>
               <a:t>decreases at every call.</a:t>
             </a:r>
           </a:p>
           <a:p>
             <a:r>
-              <a:rPr lang="en-US" dirty="0" smtClean="0"/>
+              <a:rPr lang="en-US" dirty="0"/>
               <a:t>So </a:t>
             </a:r>
             <a:r>
-              <a:rPr lang="en-US" b="1" dirty="0" smtClean="0"/>
+              <a:rPr lang="en-US" b="1" dirty="0"/>
               <a:t>(hi – </a:t>
             </a:r>
             <a:r>
-              <a:rPr lang="en-US" b="1" dirty="0" err="1" smtClean="0"/>
+              <a:rPr lang="en-US" b="1" dirty="0" err="1"/>
               <a:t>i</a:t>
             </a:r>
             <a:r>
-              <a:rPr lang="en-US" b="1" dirty="0" smtClean="0"/>
+              <a:rPr lang="en-US" b="1" dirty="0"/>
               <a:t>) </a:t>
             </a:r>
             <a:r>
-              <a:rPr lang="en-US" dirty="0" smtClean="0"/>
-              <a:t>is a halting measure </a:t>
-            </a:r>
-            <a:r>
               <a:rPr lang="en-US" dirty="0"/>
-              <a:t>for generalized-function-sum </a:t>
+              <a:t>is a halting measure for generalized-function-sum </a:t>
             </a:r>
           </a:p>
         </p:txBody>
@@ -6851,13 +6643,6 @@
   <p:clrMapOvr>
     <a:masterClrMapping/>
   </p:clrMapOvr>
-  <p:timing>
-    <p:tnLst>
-      <p:par>
-        <p:cTn id="1" dur="indefinite" restart="never" nodeType="tmRoot"/>
-      </p:par>
-    </p:tnLst>
-  </p:timing>
 </p:sld>
 </file>
 
@@ -6894,10 +6679,9 @@
           <a:lstStyle/>
           <a:p>
             <a:r>
-              <a:rPr lang="en-US" dirty="0" smtClean="0"/>
+              <a:rPr lang="en-US" dirty="0"/>
               <a:t>We still need our original function</a:t>
             </a:r>
-            <a:endParaRPr lang="en-US" dirty="0"/>
           </a:p>
         </p:txBody>
       </p:sp>
@@ -6944,15 +6728,7 @@
             </a:r>
             <a:r>
               <a:rPr lang="en-US" sz="2400" dirty="0"/>
-              <a:t> (</a:t>
-            </a:r>
-            <a:r>
-              <a:rPr lang="en-US" sz="2400" dirty="0" smtClean="0"/>
-              <a:t>Nat </a:t>
-            </a:r>
-            <a:r>
-              <a:rPr lang="en-US" sz="2400" dirty="0"/>
-              <a:t>-&gt; Number) -&gt; Number</a:t>
+              <a:t> (Nat -&gt; Number) -&gt; Number</a:t>
             </a:r>
           </a:p>
           <a:p>
@@ -6963,19 +6739,7 @@
             </a:pPr>
             <a:r>
               <a:rPr lang="en-US" sz="2400" dirty="0"/>
-              <a:t>;; GIVEN: natural numbers </a:t>
-            </a:r>
-            <a:r>
-              <a:rPr lang="en-US" sz="2400" dirty="0" smtClean="0"/>
-              <a:t>lo and hi, </a:t>
-            </a:r>
-            <a:r>
-              <a:rPr lang="en-US" sz="2400" dirty="0"/>
-              <a:t>and </a:t>
-            </a:r>
-            <a:r>
-              <a:rPr lang="en-US" sz="2400" dirty="0" smtClean="0"/>
-              <a:t>a</a:t>
+              <a:t>;; GIVEN: natural numbers lo and hi, and a</a:t>
             </a:r>
           </a:p>
           <a:p>
@@ -6985,16 +6749,8 @@
               </a:spcBef>
             </a:pPr>
             <a:r>
-              <a:rPr lang="en-US" sz="2400" dirty="0" smtClean="0"/>
-              <a:t>;; </a:t>
-            </a:r>
-            <a:r>
               <a:rPr lang="en-US" sz="2400" dirty="0"/>
-              <a:t>function </a:t>
-            </a:r>
-            <a:r>
-              <a:rPr lang="en-US" sz="2400" dirty="0" smtClean="0"/>
-              <a:t>f</a:t>
+              <a:t>;; function f</a:t>
             </a:r>
           </a:p>
           <a:p>
@@ -7004,10 +6760,9 @@
               </a:spcBef>
             </a:pPr>
             <a:r>
-              <a:rPr lang="en-US" sz="2400" dirty="0" smtClean="0"/>
+              <a:rPr lang="en-US" sz="2400" dirty="0"/>
               <a:t>;; WHERE: 	lo ≤ hi</a:t>
             </a:r>
-            <a:endParaRPr lang="en-US" sz="2400" dirty="0"/>
           </a:p>
           <a:p>
             <a:pPr>
@@ -7017,27 +6772,7 @@
             </a:pPr>
             <a:r>
               <a:rPr lang="en-US" sz="2400" dirty="0"/>
-              <a:t>;; RETURNS: SUM{f(j) | lo </a:t>
-            </a:r>
-            <a:r>
-              <a:rPr lang="en-US" sz="2400" dirty="0" smtClean="0"/>
-              <a:t>≤ </a:t>
-            </a:r>
-            <a:r>
-              <a:rPr lang="en-US" sz="2400" dirty="0"/>
-              <a:t>j </a:t>
-            </a:r>
-            <a:r>
-              <a:rPr lang="en-US" sz="2400" dirty="0" smtClean="0"/>
-              <a:t>≤ </a:t>
-            </a:r>
-            <a:r>
-              <a:rPr lang="en-US" sz="2400" dirty="0"/>
-              <a:t>hi</a:t>
-            </a:r>
-            <a:r>
-              <a:rPr lang="en-US" sz="2400" dirty="0" smtClean="0"/>
-              <a:t>}</a:t>
+              <a:t>;; RETURNS: SUM{f(j) | lo ≤ j ≤ hi}</a:t>
             </a:r>
           </a:p>
           <a:p>
@@ -7048,13 +6783,8 @@
             </a:pPr>
             <a:r>
               <a:rPr lang="en-US" sz="2400" dirty="0"/>
-              <a:t>;; STRATEGY</a:t>
-            </a:r>
-            <a:r>
-              <a:rPr lang="en-US" sz="2400" dirty="0" smtClean="0"/>
-              <a:t>: call a more general function</a:t>
-            </a:r>
-            <a:endParaRPr lang="en-US" sz="2400" dirty="0"/>
+              <a:t>;; STRATEGY: call a more general function</a:t>
+            </a:r>
           </a:p>
           <a:p>
             <a:pPr>
@@ -7062,7 +6792,7 @@
                 <a:spcPts val="0"/>
               </a:spcBef>
             </a:pPr>
-            <a:endParaRPr lang="en-US" sz="2400" dirty="0" smtClean="0"/>
+            <a:endParaRPr lang="en-US" sz="2400" dirty="0"/>
           </a:p>
           <a:p>
             <a:pPr>
@@ -7071,12 +6801,8 @@
               </a:spcBef>
             </a:pPr>
             <a:r>
-              <a:rPr lang="en-US" sz="2400" dirty="0" smtClean="0"/>
-              <a:t>(</a:t>
-            </a:r>
-            <a:r>
               <a:rPr lang="en-US" sz="2400" dirty="0"/>
-              <a:t>define (function-sum lo hi f)</a:t>
+              <a:t>(define (function-sum lo hi f)</a:t>
             </a:r>
           </a:p>
           <a:p>
@@ -7087,15 +6813,7 @@
             </a:pPr>
             <a:r>
               <a:rPr lang="en-US" sz="2400" dirty="0"/>
-              <a:t>  </a:t>
-            </a:r>
-            <a:r>
-              <a:rPr lang="en-US" sz="2400" dirty="0" smtClean="0"/>
-              <a:t>(generalized-function-sum </a:t>
-            </a:r>
-            <a:r>
-              <a:rPr lang="en-US" sz="2400" dirty="0"/>
-              <a:t>lo hi 0 f))</a:t>
+              <a:t>  (generalized-function-sum lo hi 0 f))</a:t>
             </a:r>
           </a:p>
         </p:txBody>
@@ -7171,7 +6889,7 @@
           <a:p>
             <a:pPr algn="ctr"/>
             <a:r>
-              <a:rPr lang="en-US" dirty="0" smtClean="0">
+              <a:rPr lang="en-US" dirty="0">
                 <a:solidFill>
                   <a:schemeClr val="tx1"/>
                 </a:solidFill>
@@ -7179,7 +6897,7 @@
               <a:t>Just call </a:t>
             </a:r>
             <a:r>
-              <a:rPr lang="en-US" b="1" dirty="0" smtClean="0">
+              <a:rPr lang="en-US" b="1" dirty="0">
                 <a:solidFill>
                   <a:schemeClr val="tx1"/>
                 </a:solidFill>
@@ -7187,7 +6905,7 @@
               <a:t>generalized-function-sum</a:t>
             </a:r>
             <a:r>
-              <a:rPr lang="en-US" dirty="0" smtClean="0">
+              <a:rPr lang="en-US" dirty="0">
                 <a:solidFill>
                   <a:schemeClr val="tx1"/>
                 </a:solidFill>
@@ -7195,7 +6913,7 @@
               <a:t> with </a:t>
             </a:r>
             <a:r>
-              <a:rPr lang="en-US" b="1" dirty="0" err="1" smtClean="0">
+              <a:rPr lang="en-US" b="1" dirty="0" err="1">
                 <a:solidFill>
                   <a:schemeClr val="tx1"/>
                 </a:solidFill>
@@ -7203,7 +6921,7 @@
               <a:t>sofar</a:t>
             </a:r>
             <a:r>
-              <a:rPr lang="en-US" dirty="0" smtClean="0">
+              <a:rPr lang="en-US" dirty="0">
                 <a:solidFill>
                   <a:schemeClr val="tx1"/>
                 </a:solidFill>
@@ -7223,13 +6941,6 @@
   <p:clrMapOvr>
     <a:masterClrMapping/>
   </p:clrMapOvr>
-  <p:timing>
-    <p:tnLst>
-      <p:par>
-        <p:cTn id="1" dur="indefinite" restart="never" nodeType="tmRoot"/>
-      </p:par>
-    </p:tnLst>
-  </p:timing>
 </p:sld>
 </file>
 
@@ -7280,10 +6991,9 @@
           <a:lstStyle/>
           <a:p>
             <a:r>
-              <a:rPr lang="en-US" dirty="0" smtClean="0"/>
+              <a:rPr lang="en-US" dirty="0"/>
               <a:t>Example #2: Linear Search</a:t>
             </a:r>
-            <a:endParaRPr lang="en-US" dirty="0"/>
           </a:p>
         </p:txBody>
       </p:sp>
@@ -7319,34 +7029,18 @@
             </a:r>
             <a:r>
               <a:rPr lang="en-US" sz="2000" dirty="0"/>
-              <a:t> </a:t>
-            </a:r>
-            <a:r>
-              <a:rPr lang="en-US" sz="2000" dirty="0" smtClean="0"/>
-              <a:t>(Nat </a:t>
+              <a:t> (Nat -&gt; </a:t>
+            </a:r>
+            <a:r>
+              <a:rPr lang="en-US" sz="2000" dirty="0" err="1"/>
+              <a:t>Bool</a:t>
             </a:r>
             <a:r>
               <a:rPr lang="en-US" sz="2000" dirty="0"/>
-              <a:t>-&gt; </a:t>
-            </a:r>
-            <a:r>
-              <a:rPr lang="en-US" sz="2000" dirty="0" err="1" smtClean="0"/>
-              <a:t>Bool</a:t>
-            </a:r>
-            <a:r>
-              <a:rPr lang="en-US" sz="2000" dirty="0"/>
-              <a:t>)</a:t>
-            </a:r>
-            <a:r>
-              <a:rPr lang="en-US" sz="2000" dirty="0" smtClean="0"/>
-              <a:t> </a:t>
-            </a:r>
-            <a:r>
-              <a:rPr lang="en-US" sz="2000" dirty="0"/>
-              <a:t>-&gt; </a:t>
-            </a:r>
-            <a:r>
-              <a:rPr lang="en-US" sz="2000" dirty="0" err="1" smtClean="0"/>
+              <a:t>) -&gt; </a:t>
+            </a:r>
+            <a:r>
+              <a:rPr lang="en-US" sz="2000" dirty="0" err="1"/>
               <a:t>MaybeNat</a:t>
             </a:r>
             <a:endParaRPr lang="en-US" sz="2000" dirty="0"/>
@@ -7361,7 +7055,6 @@
               <a:rPr lang="en-US" sz="2000" dirty="0"/>
               <a:t>;; GIVEN: 2 natural numbers lo and hi, </a:t>
             </a:r>
-            <a:endParaRPr lang="en-US" sz="2000" dirty="0" smtClean="0"/>
           </a:p>
           <a:p>
             <a:pPr>
@@ -7370,12 +7063,8 @@
               </a:spcBef>
             </a:pPr>
             <a:r>
-              <a:rPr lang="en-US" sz="2000" dirty="0" smtClean="0"/>
-              <a:t>;;  and </a:t>
-            </a:r>
-            <a:r>
               <a:rPr lang="en-US" sz="2000" dirty="0"/>
-              <a:t>a predicate </a:t>
+              <a:t>;;  and a predicate </a:t>
             </a:r>
             <a:r>
               <a:rPr lang="en-US" sz="2000" dirty="0" err="1"/>
@@ -7391,15 +7080,7 @@
             </a:pPr>
             <a:r>
               <a:rPr lang="en-US" sz="2000" dirty="0"/>
-              <a:t>;; WHERE: lo </a:t>
-            </a:r>
-            <a:r>
-              <a:rPr lang="en-US" sz="2000" dirty="0" smtClean="0"/>
-              <a:t>≤ </a:t>
-            </a:r>
-            <a:r>
-              <a:rPr lang="en-US" sz="2000" dirty="0"/>
-              <a:t>hi</a:t>
+              <a:t>;; WHERE: lo ≤ hi</a:t>
             </a:r>
           </a:p>
           <a:p>
@@ -7418,11 +7099,7 @@
             </a:r>
             <a:r>
               <a:rPr lang="en-US" sz="2000" dirty="0"/>
-              <a:t>) that </a:t>
-            </a:r>
-            <a:r>
-              <a:rPr lang="en-US" sz="2000" dirty="0" smtClean="0"/>
-              <a:t>satisfies</a:t>
+              <a:t>) that satisfies</a:t>
             </a:r>
           </a:p>
           <a:p>
@@ -7432,7 +7109,7 @@
               </a:spcBef>
             </a:pPr>
             <a:r>
-              <a:rPr lang="en-US" sz="2000" dirty="0" smtClean="0"/>
+              <a:rPr lang="en-US" sz="2000" dirty="0"/>
               <a:t>;;  </a:t>
             </a:r>
             <a:r>
@@ -7441,15 +7118,7 @@
             </a:r>
             <a:r>
               <a:rPr lang="en-US" sz="2000" dirty="0"/>
-              <a:t>, or false if </a:t>
-            </a:r>
-            <a:r>
-              <a:rPr lang="en-US" sz="2000" dirty="0" smtClean="0"/>
-              <a:t>there </a:t>
-            </a:r>
-            <a:r>
-              <a:rPr lang="en-US" sz="2000" dirty="0"/>
-              <a:t>is none. </a:t>
+              <a:t>, or false if there is none. </a:t>
             </a:r>
           </a:p>
           <a:p>
@@ -7470,10 +7139,9 @@
               </a:spcBef>
             </a:pPr>
             <a:r>
-              <a:rPr lang="en-US" sz="2000" dirty="0" smtClean="0"/>
+              <a:rPr lang="en-US" sz="2000" dirty="0"/>
               <a:t>(begin-for-test</a:t>
             </a:r>
-            <a:endParaRPr lang="en-US" sz="2000" dirty="0"/>
           </a:p>
           <a:p>
             <a:pPr>
@@ -7516,11 +7184,7 @@
             </a:pPr>
             <a:r>
               <a:rPr lang="en-US" sz="2000" dirty="0"/>
-              <a:t>    (linear-search 2 4 (lambda (n) (&gt; n 6</a:t>
-            </a:r>
-            <a:r>
-              <a:rPr lang="en-US" sz="2000" dirty="0" smtClean="0"/>
-              <a:t>)))))</a:t>
+              <a:t>    (linear-search 2 4 (lambda (n) (&gt; n 6)))))</a:t>
             </a:r>
           </a:p>
           <a:p>
@@ -7572,12 +7236,14 @@
             <a:avLst/>
           </a:prstGeom>
           <a:solidFill>
-            <a:schemeClr val="accent3">
-              <a:lumMod val="40000"/>
-              <a:lumOff val="60000"/>
+            <a:schemeClr val="accent1">
+              <a:lumMod val="20000"/>
+              <a:lumOff val="80000"/>
             </a:schemeClr>
           </a:solidFill>
-          <a:ln/>
+          <a:ln>
+            <a:noFill/>
+          </a:ln>
         </p:spPr>
         <p:style>
           <a:lnRef idx="2">
@@ -7603,7 +7269,7 @@
           <a:lstStyle/>
           <a:p>
             <a:r>
-              <a:rPr lang="en-US" sz="1400" dirty="0" smtClean="0">
+              <a:rPr lang="en-US" sz="1400" dirty="0">
                 <a:solidFill>
                   <a:schemeClr val="tx1"/>
                 </a:solidFill>
@@ -7613,7 +7279,7 @@
           </a:p>
           <a:p>
             <a:r>
-              <a:rPr lang="en-US" sz="1400" dirty="0" smtClean="0">
+              <a:rPr lang="en-US" sz="1400" dirty="0">
                 <a:solidFill>
                   <a:schemeClr val="tx1"/>
                 </a:solidFill>
@@ -7671,13 +7337,6 @@
   <p:clrMapOvr>
     <a:masterClrMapping/>
   </p:clrMapOvr>
-  <p:timing>
-    <p:tnLst>
-      <p:par>
-        <p:cTn id="1" dur="indefinite" restart="never" nodeType="tmRoot"/>
-      </p:par>
-    </p:tnLst>
-  </p:timing>
 </p:sld>
 </file>
 
@@ -7714,10 +7373,9 @@
           <a:lstStyle/>
           <a:p>
             <a:r>
-              <a:rPr lang="en-US" dirty="0" smtClean="0"/>
+              <a:rPr lang="en-US" dirty="0"/>
               <a:t>What are the trivial cases?</a:t>
             </a:r>
-            <a:endParaRPr lang="en-US" dirty="0"/>
           </a:p>
         </p:txBody>
       </p:sp>
@@ -7737,40 +7395,39 @@
           <a:lstStyle/>
           <a:p>
             <a:r>
-              <a:rPr lang="en-US" dirty="0" smtClean="0"/>
+              <a:rPr lang="en-US" dirty="0"/>
               <a:t>if (= lo hi), then [</a:t>
             </a:r>
             <a:r>
-              <a:rPr lang="en-US" dirty="0" err="1" smtClean="0"/>
+              <a:rPr lang="en-US" dirty="0" err="1"/>
               <a:t>lo,hi</a:t>
             </a:r>
             <a:r>
-              <a:rPr lang="en-US" dirty="0" smtClean="0"/>
+              <a:rPr lang="en-US" dirty="0"/>
               <a:t>) is empty, so the answer is false.</a:t>
             </a:r>
           </a:p>
           <a:p>
             <a:r>
-              <a:rPr lang="en-US" dirty="0" smtClean="0"/>
+              <a:rPr lang="en-US" dirty="0"/>
               <a:t>if (</a:t>
             </a:r>
             <a:r>
-              <a:rPr lang="en-US" dirty="0" err="1" smtClean="0"/>
+              <a:rPr lang="en-US" dirty="0" err="1"/>
               <a:t>pred</a:t>
             </a:r>
             <a:r>
-              <a:rPr lang="en-US" dirty="0" smtClean="0"/>
+              <a:rPr lang="en-US" dirty="0"/>
               <a:t> lo) is true, then lo is the smallest number in [</a:t>
             </a:r>
             <a:r>
-              <a:rPr lang="en-US" dirty="0" err="1" smtClean="0"/>
+              <a:rPr lang="en-US" dirty="0" err="1"/>
               <a:t>lo,hi</a:t>
             </a:r>
             <a:r>
-              <a:rPr lang="en-US" dirty="0" smtClean="0"/>
+              <a:rPr lang="en-US" dirty="0"/>
               <a:t>) that satisfies pred.</a:t>
             </a:r>
-            <a:endParaRPr lang="en-US" dirty="0"/>
           </a:p>
         </p:txBody>
       </p:sp>
@@ -7808,13 +7465,6 @@
   <p:clrMapOvr>
     <a:masterClrMapping/>
   </p:clrMapOvr>
-  <p:timing>
-    <p:tnLst>
-      <p:par>
-        <p:cTn id="1" dur="indefinite" restart="never" nodeType="tmRoot"/>
-      </p:par>
-    </p:tnLst>
-  </p:timing>
 </p:sld>
 </file>
 
@@ -7851,10 +7501,9 @@
           <a:lstStyle/>
           <a:p>
             <a:r>
-              <a:rPr lang="en-US" dirty="0" smtClean="0"/>
+              <a:rPr lang="en-US" dirty="0"/>
               <a:t>What have we got so far?</a:t>
             </a:r>
-            <a:endParaRPr lang="en-US" dirty="0"/>
           </a:p>
         </p:txBody>
       </p:sp>
@@ -7922,13 +7571,8 @@
           <a:p>
             <a:r>
               <a:rPr lang="en-US" sz="2000" dirty="0"/>
-              <a:t>    [else </a:t>
-            </a:r>
-            <a:r>
-              <a:rPr lang="en-US" sz="2000" dirty="0" smtClean="0"/>
-              <a:t>???]))</a:t>
-            </a:r>
-            <a:endParaRPr lang="en-US" sz="2000" dirty="0"/>
+              <a:t>    [else ???]))</a:t>
+            </a:r>
           </a:p>
         </p:txBody>
       </p:sp>
@@ -7966,13 +7610,6 @@
   <p:clrMapOvr>
     <a:masterClrMapping/>
   </p:clrMapOvr>
-  <p:timing>
-    <p:tnLst>
-      <p:par>
-        <p:cTn id="1" dur="indefinite" restart="never" nodeType="tmRoot"/>
-      </p:par>
-    </p:tnLst>
-  </p:timing>
 </p:sld>
 </file>
 
@@ -8009,10 +7646,9 @@
           <a:lstStyle/>
           <a:p>
             <a:r>
-              <a:rPr lang="en-US" dirty="0" smtClean="0"/>
+              <a:rPr lang="en-US" dirty="0"/>
               <a:t>What's the non-trivial case?</a:t>
             </a:r>
-            <a:endParaRPr lang="en-US" dirty="0"/>
           </a:p>
         </p:txBody>
       </p:sp>
@@ -8032,36 +7668,32 @@
           <a:lstStyle/>
           <a:p>
             <a:r>
-              <a:rPr lang="en-US" dirty="0" smtClean="0"/>
+              <a:rPr lang="en-US" dirty="0"/>
               <a:t>If </a:t>
             </a:r>
             <a:r>
-              <a:rPr lang="en-US" b="1" dirty="0" smtClean="0"/>
+              <a:rPr lang="en-US" b="1" dirty="0"/>
               <a:t>(&lt; lo hi) </a:t>
             </a:r>
             <a:r>
-              <a:rPr lang="en-US" dirty="0" smtClean="0"/>
+              <a:rPr lang="en-US" dirty="0"/>
               <a:t>and </a:t>
             </a:r>
             <a:r>
-              <a:rPr lang="en-US" b="1" dirty="0" smtClean="0"/>
+              <a:rPr lang="en-US" b="1" dirty="0"/>
               <a:t>(</a:t>
             </a:r>
             <a:r>
-              <a:rPr lang="en-US" b="1" dirty="0" err="1" smtClean="0"/>
+              <a:rPr lang="en-US" b="1" dirty="0" err="1"/>
               <a:t>pred</a:t>
             </a:r>
             <a:r>
-              <a:rPr lang="en-US" b="1" dirty="0" smtClean="0"/>
+              <a:rPr lang="en-US" b="1" dirty="0"/>
               <a:t> lo) </a:t>
             </a:r>
             <a:r>
-              <a:rPr lang="en-US" dirty="0" smtClean="0"/>
-              <a:t>is false, then </a:t>
-            </a:r>
-            <a:r>
               <a:rPr lang="en-US" dirty="0"/>
-              <a:t>the smallest number in </a:t>
+              <a:t>is false, then the smallest number in </a:t>
             </a:r>
             <a:r>
               <a:rPr lang="en-US" b="1" dirty="0"/>
@@ -8080,25 +7712,25 @@
               <a:t>that satisfies </a:t>
             </a:r>
             <a:r>
-              <a:rPr lang="en-US" dirty="0" err="1" smtClean="0"/>
+              <a:rPr lang="en-US" dirty="0" err="1"/>
               <a:t>pred</a:t>
             </a:r>
             <a:r>
-              <a:rPr lang="en-US" dirty="0" smtClean="0"/>
+              <a:rPr lang="en-US" dirty="0"/>
               <a:t> (if it exists) must be in </a:t>
             </a:r>
             <a:r>
-              <a:rPr lang="en-US" b="1" dirty="0" smtClean="0"/>
+              <a:rPr lang="en-US" b="1" dirty="0"/>
               <a:t>[lo+1, hi</a:t>
             </a:r>
             <a:r>
-              <a:rPr lang="en-US" dirty="0" smtClean="0"/>
+              <a:rPr lang="en-US" dirty="0"/>
               <a:t>).</a:t>
             </a:r>
           </a:p>
           <a:p>
             <a:r>
-              <a:rPr lang="en-US" dirty="0" smtClean="0"/>
+              <a:rPr lang="en-US" dirty="0"/>
               <a:t>So, if </a:t>
             </a:r>
             <a:r>
@@ -8123,11 +7755,7 @@
             </a:r>
             <a:r>
               <a:rPr lang="en-US" dirty="0"/>
-              <a:t>is </a:t>
-            </a:r>
-            <a:r>
-              <a:rPr lang="en-US" dirty="0" smtClean="0"/>
-              <a:t>false,  then</a:t>
+              <a:t>is false,  then</a:t>
             </a:r>
           </a:p>
           <a:p>
@@ -8135,21 +7763,21 @@
               <a:buNone/>
             </a:pPr>
             <a:r>
-              <a:rPr lang="en-US" sz="2800" b="1" dirty="0" smtClean="0">
+              <a:rPr lang="en-US" sz="2800" b="1" dirty="0">
                 <a:latin typeface="Consolas" panose="020B0609020204030204" pitchFamily="49" charset="0"/>
                 <a:cs typeface="Consolas" panose="020B0609020204030204" pitchFamily="49" charset="0"/>
               </a:rPr>
               <a:t>(linear-search lo hi </a:t>
             </a:r>
             <a:r>
-              <a:rPr lang="en-US" sz="2800" b="1" dirty="0" err="1" smtClean="0">
+              <a:rPr lang="en-US" sz="2800" b="1" dirty="0" err="1">
                 <a:latin typeface="Consolas" panose="020B0609020204030204" pitchFamily="49" charset="0"/>
                 <a:cs typeface="Consolas" panose="020B0609020204030204" pitchFamily="49" charset="0"/>
               </a:rPr>
               <a:t>pred</a:t>
             </a:r>
             <a:r>
-              <a:rPr lang="en-US" sz="2800" b="1" dirty="0" smtClean="0">
+              <a:rPr lang="en-US" sz="2800" b="1" dirty="0">
                 <a:latin typeface="Consolas" panose="020B0609020204030204" pitchFamily="49" charset="0"/>
                 <a:cs typeface="Consolas" panose="020B0609020204030204" pitchFamily="49" charset="0"/>
               </a:rPr>
@@ -8165,33 +7793,22 @@
                 <a:latin typeface="Consolas" panose="020B0609020204030204" pitchFamily="49" charset="0"/>
                 <a:cs typeface="Consolas" panose="020B0609020204030204" pitchFamily="49" charset="0"/>
               </a:rPr>
-              <a:t> </a:t>
-            </a:r>
-            <a:r>
-              <a:rPr lang="en-US" sz="2800" b="1" dirty="0" smtClean="0">
-                <a:latin typeface="Consolas" panose="020B0609020204030204" pitchFamily="49" charset="0"/>
-                <a:cs typeface="Consolas" panose="020B0609020204030204" pitchFamily="49" charset="0"/>
-              </a:rPr>
-              <a:t>(linear-search (+ lo 1) hi </a:t>
-            </a:r>
-            <a:r>
-              <a:rPr lang="en-US" sz="2800" b="1" dirty="0" err="1" smtClean="0">
+              <a:t> (linear-search (+ lo 1) hi </a:t>
+            </a:r>
+            <a:r>
+              <a:rPr lang="en-US" sz="2800" b="1" dirty="0" err="1">
                 <a:latin typeface="Consolas" panose="020B0609020204030204" pitchFamily="49" charset="0"/>
                 <a:cs typeface="Consolas" panose="020B0609020204030204" pitchFamily="49" charset="0"/>
               </a:rPr>
               <a:t>pred</a:t>
             </a:r>
             <a:r>
-              <a:rPr lang="en-US" sz="2800" b="1" dirty="0" smtClean="0">
+              <a:rPr lang="en-US" sz="2800" b="1" dirty="0">
                 <a:latin typeface="Consolas" panose="020B0609020204030204" pitchFamily="49" charset="0"/>
                 <a:cs typeface="Consolas" panose="020B0609020204030204" pitchFamily="49" charset="0"/>
               </a:rPr>
               <a:t>)</a:t>
             </a:r>
-            <a:endParaRPr lang="en-US" sz="2800" b="1" dirty="0">
-              <a:latin typeface="Consolas" panose="020B0609020204030204" pitchFamily="49" charset="0"/>
-              <a:cs typeface="Consolas" panose="020B0609020204030204" pitchFamily="49" charset="0"/>
-            </a:endParaRPr>
           </a:p>
         </p:txBody>
       </p:sp>
@@ -8229,13 +7846,6 @@
   <p:clrMapOvr>
     <a:masterClrMapping/>
   </p:clrMapOvr>
-  <p:timing>
-    <p:tnLst>
-      <p:par>
-        <p:cTn id="1" dur="indefinite" restart="never" nodeType="tmRoot"/>
-      </p:par>
-    </p:tnLst>
-  </p:timing>
 </p:sld>
 </file>
 
@@ -8272,10 +7882,9 @@
           <a:lstStyle/>
           <a:p>
             <a:r>
-              <a:rPr lang="en-US" dirty="0" smtClean="0"/>
+              <a:rPr lang="en-US" dirty="0"/>
               <a:t>Function Definition</a:t>
             </a:r>
-            <a:endParaRPr lang="en-US" dirty="0"/>
           </a:p>
         </p:txBody>
       </p:sp>
@@ -8295,24 +7904,20 @@
           <a:lstStyle/>
           <a:p>
             <a:r>
-              <a:rPr lang="en-US" sz="2000" dirty="0" smtClean="0"/>
+              <a:rPr lang="en-US" sz="2000" dirty="0"/>
               <a:t>;; STRATEGY: If more to search and not found, then recur </a:t>
             </a:r>
           </a:p>
           <a:p>
             <a:r>
-              <a:rPr lang="en-US" sz="2000" dirty="0" smtClean="0"/>
+              <a:rPr lang="en-US" sz="2000" dirty="0"/>
               <a:t>;; on (+ lo 1)</a:t>
             </a:r>
           </a:p>
           <a:p>
             <a:r>
-              <a:rPr lang="en-US" sz="2000" dirty="0" smtClean="0"/>
-              <a:t>(</a:t>
-            </a:r>
-            <a:r>
               <a:rPr lang="en-US" sz="2000" dirty="0"/>
-              <a:t>define (linear-search lo hi </a:t>
+              <a:t>(define (linear-search lo hi </a:t>
             </a:r>
             <a:r>
               <a:rPr lang="en-US" sz="2000" dirty="0" err="1"/>
@@ -8407,13 +8012,6 @@
   <p:clrMapOvr>
     <a:masterClrMapping/>
   </p:clrMapOvr>
-  <p:timing>
-    <p:tnLst>
-      <p:par>
-        <p:cTn id="1" dur="indefinite" restart="never" nodeType="tmRoot"/>
-      </p:par>
-    </p:tnLst>
-  </p:timing>
 </p:sld>
 </file>
 
@@ -8464,10 +8062,9 @@
           <a:lstStyle/>
           <a:p>
             <a:r>
-              <a:rPr lang="en-US" dirty="0" smtClean="0"/>
+              <a:rPr lang="en-US" dirty="0"/>
               <a:t>Introduction</a:t>
             </a:r>
-            <a:endParaRPr lang="en-US" dirty="0"/>
           </a:p>
         </p:txBody>
       </p:sp>
@@ -8487,22 +8084,21 @@
           <a:lstStyle/>
           <a:p>
             <a:r>
-              <a:rPr lang="en-US" dirty="0" smtClean="0"/>
+              <a:rPr lang="en-US" dirty="0"/>
               <a:t>Many problems involve searching</a:t>
             </a:r>
           </a:p>
           <a:p>
             <a:r>
-              <a:rPr lang="en-US" dirty="0" smtClean="0"/>
+              <a:rPr lang="en-US" dirty="0"/>
               <a:t>General recursion is well-suited to search problems.</a:t>
             </a:r>
           </a:p>
           <a:p>
             <a:r>
-              <a:rPr lang="en-US" dirty="0" smtClean="0"/>
+              <a:rPr lang="en-US" dirty="0"/>
               <a:t>In this lesson, we'll talk about a simple case: linear search </a:t>
             </a:r>
-            <a:endParaRPr lang="en-US" dirty="0"/>
           </a:p>
         </p:txBody>
       </p:sp>
@@ -8540,13 +8136,6 @@
   <p:clrMapOvr>
     <a:masterClrMapping/>
   </p:clrMapOvr>
-  <p:timing>
-    <p:tnLst>
-      <p:par>
-        <p:cTn id="1" dur="indefinite" restart="never" nodeType="tmRoot"/>
-      </p:par>
-    </p:tnLst>
-  </p:timing>
 </p:sld>
 </file>
 
@@ -8583,10 +8172,9 @@
           <a:lstStyle/>
           <a:p>
             <a:r>
-              <a:rPr lang="en-US" dirty="0" smtClean="0"/>
+              <a:rPr lang="en-US" dirty="0"/>
               <a:t>What's the halting measure?</a:t>
             </a:r>
-            <a:endParaRPr lang="en-US" dirty="0"/>
           </a:p>
         </p:txBody>
       </p:sp>
@@ -8606,54 +8194,53 @@
           <a:lstStyle/>
           <a:p>
             <a:r>
-              <a:rPr lang="en-US" dirty="0" smtClean="0"/>
+              <a:rPr lang="en-US" dirty="0"/>
               <a:t>The invariant tells us that </a:t>
             </a:r>
             <a:r>
-              <a:rPr lang="en-US" b="1" dirty="0" smtClean="0"/>
+              <a:rPr lang="en-US" b="1" dirty="0"/>
               <a:t>lo ≤ hi</a:t>
             </a:r>
             <a:r>
-              <a:rPr lang="en-US" dirty="0" smtClean="0"/>
+              <a:rPr lang="en-US" dirty="0"/>
               <a:t>, so </a:t>
             </a:r>
             <a:r>
-              <a:rPr lang="en-US" b="1" dirty="0" smtClean="0"/>
+              <a:rPr lang="en-US" b="1" dirty="0"/>
               <a:t>(- hi lo) </a:t>
             </a:r>
             <a:r>
-              <a:rPr lang="en-US" dirty="0" smtClean="0"/>
+              <a:rPr lang="en-US" dirty="0"/>
               <a:t>is a non-negative integer.</a:t>
             </a:r>
           </a:p>
           <a:p>
             <a:r>
-              <a:rPr lang="en-US" dirty="0" smtClean="0"/>
+              <a:rPr lang="en-US" dirty="0"/>
               <a:t>lo increases at every recursive call, so </a:t>
             </a:r>
             <a:r>
-              <a:rPr lang="en-US" b="1" dirty="0" smtClean="0"/>
+              <a:rPr lang="en-US" b="1" dirty="0"/>
               <a:t>(- hi lo) </a:t>
             </a:r>
             <a:r>
-              <a:rPr lang="en-US" dirty="0" smtClean="0"/>
+              <a:rPr lang="en-US" dirty="0"/>
               <a:t>decreases.</a:t>
             </a:r>
           </a:p>
           <a:p>
             <a:r>
-              <a:rPr lang="en-US" dirty="0" smtClean="0"/>
+              <a:rPr lang="en-US" dirty="0"/>
               <a:t>So </a:t>
             </a:r>
             <a:r>
-              <a:rPr lang="en-US" b="1" dirty="0" smtClean="0"/>
+              <a:rPr lang="en-US" b="1" dirty="0"/>
               <a:t>(- hi lo) </a:t>
             </a:r>
             <a:r>
-              <a:rPr lang="en-US" dirty="0" smtClean="0"/>
+              <a:rPr lang="en-US" dirty="0"/>
               <a:t>is our halting measure.</a:t>
             </a:r>
-            <a:endParaRPr lang="en-US" dirty="0"/>
           </a:p>
         </p:txBody>
       </p:sp>
@@ -8691,13 +8278,6 @@
   <p:clrMapOvr>
     <a:masterClrMapping/>
   </p:clrMapOvr>
-  <p:timing>
-    <p:tnLst>
-      <p:par>
-        <p:cTn id="1" dur="indefinite" restart="never" nodeType="tmRoot"/>
-      </p:par>
-    </p:tnLst>
-  </p:timing>
 </p:sld>
 </file>
 
@@ -8734,10 +8314,9 @@
           <a:lstStyle/>
           <a:p>
             <a:r>
-              <a:rPr lang="en-US" dirty="0" smtClean="0"/>
+              <a:rPr lang="en-US" dirty="0"/>
               <a:t>Summary</a:t>
             </a:r>
-            <a:endParaRPr lang="en-US" dirty="0"/>
           </a:p>
         </p:txBody>
       </p:sp>
@@ -8757,30 +8336,29 @@
           <a:lstStyle/>
           <a:p>
             <a:r>
-              <a:rPr lang="en-US" dirty="0" smtClean="0"/>
+              <a:rPr lang="en-US" dirty="0"/>
               <a:t>We've seen how generative recursion can deal with problems involving numerical values</a:t>
             </a:r>
           </a:p>
           <a:p>
             <a:r>
-              <a:rPr lang="en-US" dirty="0" smtClean="0"/>
+              <a:rPr lang="en-US" dirty="0"/>
               <a:t>We've seen how </a:t>
             </a:r>
             <a:r>
-              <a:rPr lang="en-US" smtClean="0"/>
+              <a:rPr lang="en-US"/>
               <a:t>context arguments and </a:t>
             </a:r>
             <a:r>
-              <a:rPr lang="en-US" dirty="0" smtClean="0"/>
+              <a:rPr lang="en-US" dirty="0"/>
               <a:t>invariants can help avoid recalculating expensive values</a:t>
             </a:r>
           </a:p>
           <a:p>
             <a:r>
-              <a:rPr lang="en-US" dirty="0" smtClean="0"/>
+              <a:rPr lang="en-US" dirty="0"/>
               <a:t>We've seen how invariants can be an invaluable aid in understanding programs</a:t>
             </a:r>
-            <a:endParaRPr lang="en-US" dirty="0"/>
           </a:p>
         </p:txBody>
       </p:sp>
@@ -8818,13 +8396,6 @@
   <p:clrMapOvr>
     <a:masterClrMapping/>
   </p:clrMapOvr>
-  <p:timing>
-    <p:tnLst>
-      <p:par>
-        <p:cTn id="1" dur="indefinite" restart="never" nodeType="tmRoot"/>
-      </p:par>
-    </p:tnLst>
-  </p:timing>
 </p:sld>
 </file>
 
@@ -8865,10 +8436,9 @@
           <a:lstStyle/>
           <a:p>
             <a:r>
-              <a:rPr lang="en-US" dirty="0" smtClean="0"/>
+              <a:rPr lang="en-US" dirty="0"/>
               <a:t>Learning Objectives</a:t>
             </a:r>
-            <a:endParaRPr lang="en-US" dirty="0"/>
           </a:p>
         </p:txBody>
       </p:sp>
@@ -8890,7 +8460,7 @@
           <a:lstStyle/>
           <a:p>
             <a:r>
-              <a:rPr lang="en-US" dirty="0" smtClean="0"/>
+              <a:rPr lang="en-US" dirty="0"/>
               <a:t>At the end of this lesson you should be able to:</a:t>
             </a:r>
           </a:p>
@@ -8904,7 +8474,7 @@
           <a:p>
             <a:pPr lvl="1"/>
             <a:r>
-              <a:rPr lang="en-US" dirty="0" smtClean="0"/>
+              <a:rPr lang="en-US" dirty="0"/>
               <a:t>Use general recursion and invariants to solve problems involving numbers</a:t>
             </a:r>
           </a:p>
@@ -8947,13 +8517,6 @@
   <p:clrMapOvr>
     <a:masterClrMapping/>
   </p:clrMapOvr>
-  <p:timing>
-    <p:tnLst>
-      <p:par>
-        <p:cTn id="1" dur="indefinite" restart="never" nodeType="tmRoot"/>
-      </p:par>
-    </p:tnLst>
-  </p:timing>
 </p:sld>
 </file>
 
@@ -8990,10 +8553,9 @@
           <a:lstStyle/>
           <a:p>
             <a:r>
-              <a:rPr lang="en-US" dirty="0" smtClean="0"/>
+              <a:rPr lang="en-US" dirty="0"/>
               <a:t>Next Steps</a:t>
             </a:r>
-            <a:endParaRPr lang="en-US" dirty="0"/>
           </a:p>
         </p:txBody>
       </p:sp>
@@ -9013,22 +8575,21 @@
           <a:lstStyle/>
           <a:p>
             <a:r>
-              <a:rPr lang="en-US" smtClean="0"/>
+              <a:rPr lang="en-US"/>
               <a:t>Study the files 08-6-function-sum.rkt and 08-7-linear-search.rkt</a:t>
             </a:r>
           </a:p>
           <a:p>
             <a:r>
-              <a:rPr lang="en-US" dirty="0" smtClean="0"/>
+              <a:rPr lang="en-US" dirty="0"/>
               <a:t>If you have questions about this lesson, ask them on the Discussion Board</a:t>
             </a:r>
           </a:p>
           <a:p>
             <a:r>
-              <a:rPr lang="en-US" dirty="0" smtClean="0"/>
+              <a:rPr lang="en-US" dirty="0"/>
               <a:t>Go on to the next lesson</a:t>
             </a:r>
-            <a:endParaRPr lang="en-US" dirty="0"/>
           </a:p>
         </p:txBody>
       </p:sp>
@@ -9066,13 +8627,6 @@
   <p:clrMapOvr>
     <a:masterClrMapping/>
   </p:clrMapOvr>
-  <p:timing>
-    <p:tnLst>
-      <p:par>
-        <p:cTn id="1" dur="indefinite" restart="never" nodeType="tmRoot"/>
-      </p:par>
-    </p:tnLst>
-  </p:timing>
 </p:sld>
 </file>
 
@@ -9109,7 +8663,7 @@
           <a:lstStyle/>
           <a:p>
             <a:r>
-              <a:rPr lang="en-US" smtClean="0"/>
+              <a:rPr lang="en-US"/>
               <a:t>Learning Objectives</a:t>
             </a:r>
             <a:endParaRPr lang="en-US" dirty="0"/>
@@ -9132,22 +8686,22 @@
           <a:lstStyle/>
           <a:p>
             <a:r>
-              <a:rPr lang="en-US" smtClean="0"/>
+              <a:rPr lang="en-US" dirty="0"/>
               <a:t>At the end of this lesson you should be able to:</a:t>
             </a:r>
           </a:p>
           <a:p>
             <a:pPr lvl="1"/>
             <a:r>
-              <a:rPr lang="en-US" smtClean="0"/>
+              <a:rPr lang="en-US" dirty="0"/>
               <a:t>Recognize problems for which a linear search abstraction is appropriate.</a:t>
             </a:r>
           </a:p>
           <a:p>
             <a:pPr lvl="1"/>
             <a:r>
-              <a:rPr lang="en-US" smtClean="0"/>
-              <a:t>Use general recursion and invariants to solve problems involving numbers</a:t>
+              <a:rPr lang="en-US" dirty="0"/>
+              <a:t>Use general recursion and invariants to solve simple problems involving numbers</a:t>
             </a:r>
           </a:p>
           <a:p>
@@ -9189,13 +8743,6 @@
   <p:clrMapOvr>
     <a:masterClrMapping/>
   </p:clrMapOvr>
-  <p:timing>
-    <p:tnLst>
-      <p:par>
-        <p:cTn id="1" dur="indefinite" restart="never" nodeType="tmRoot"/>
-      </p:par>
-    </p:tnLst>
-  </p:timing>
 </p:sld>
 </file>
 
@@ -9246,10 +8793,9 @@
           <a:lstStyle/>
           <a:p>
             <a:r>
-              <a:rPr lang="en-US" dirty="0" smtClean="0"/>
+              <a:rPr lang="en-US" dirty="0"/>
               <a:t>Example #1: function-sum</a:t>
             </a:r>
-            <a:endParaRPr lang="en-US" dirty="0"/>
           </a:p>
         </p:txBody>
       </p:sp>
@@ -9274,7 +8820,7 @@
               </a:spcBef>
             </a:pPr>
             <a:r>
-              <a:rPr lang="en-US" dirty="0" smtClean="0"/>
+              <a:rPr lang="en-US" dirty="0"/>
               <a:t>function-sum : </a:t>
             </a:r>
           </a:p>
@@ -9285,24 +8831,16 @@
               </a:spcBef>
             </a:pPr>
             <a:r>
-              <a:rPr lang="en-US" dirty="0" smtClean="0"/>
+              <a:rPr lang="en-US" dirty="0"/>
               <a:t>  Nat </a:t>
             </a:r>
             <a:r>
-              <a:rPr lang="en-US" dirty="0" err="1" smtClean="0"/>
+              <a:rPr lang="en-US" dirty="0" err="1"/>
               <a:t>Nat</a:t>
             </a:r>
             <a:r>
-              <a:rPr lang="en-US" dirty="0" smtClean="0"/>
-              <a:t> (Nat </a:t>
-            </a:r>
-            <a:r>
               <a:rPr lang="en-US" dirty="0"/>
-              <a:t>-</a:t>
-            </a:r>
-            <a:r>
-              <a:rPr lang="en-US" dirty="0" smtClean="0"/>
-              <a:t>&gt; Number) </a:t>
+              <a:t> (Nat -&gt; Number) </a:t>
             </a:r>
           </a:p>
           <a:p>
@@ -9312,7 +8850,7 @@
               </a:spcBef>
             </a:pPr>
             <a:r>
-              <a:rPr lang="en-US" dirty="0" smtClean="0"/>
+              <a:rPr lang="en-US" dirty="0"/>
               <a:t>  -&gt; Number</a:t>
             </a:r>
           </a:p>
@@ -9323,7 +8861,7 @@
               </a:spcBef>
             </a:pPr>
             <a:r>
-              <a:rPr lang="en-US" dirty="0" smtClean="0"/>
+              <a:rPr lang="en-US" dirty="0"/>
               <a:t>GIVEN: natural numbers lo ≤ hi and a function f,</a:t>
             </a:r>
           </a:p>
@@ -9334,34 +8872,9 @@
               </a:spcBef>
             </a:pPr>
             <a:r>
-              <a:rPr lang="en-US" dirty="0" smtClean="0"/>
-              <a:t>RETURNS: SUM{f(</a:t>
-            </a:r>
-            <a:r>
               <a:rPr lang="en-US" dirty="0"/>
-              <a:t>j</a:t>
-            </a:r>
-            <a:r>
-              <a:rPr lang="en-US" dirty="0" smtClean="0"/>
-              <a:t>) | lo </a:t>
-            </a:r>
-            <a:r>
-              <a:rPr lang="en-US" dirty="0"/>
-              <a:t>≤ j</a:t>
-            </a:r>
-            <a:r>
-              <a:rPr lang="en-US" dirty="0" smtClean="0"/>
-              <a:t> </a:t>
-            </a:r>
-            <a:r>
-              <a:rPr lang="en-US" dirty="0"/>
-              <a:t>≤ </a:t>
-            </a:r>
-            <a:r>
-              <a:rPr lang="en-US" dirty="0" smtClean="0"/>
-              <a:t>hi}</a:t>
-            </a:r>
-            <a:endParaRPr lang="en-US" dirty="0"/>
+              <a:t>RETURNS: SUM{f(j) | lo ≤ j ≤ hi}</a:t>
+            </a:r>
           </a:p>
         </p:txBody>
       </p:sp>
@@ -9399,13 +8912,6 @@
   <p:clrMapOvr>
     <a:masterClrMapping/>
   </p:clrMapOvr>
-  <p:timing>
-    <p:tnLst>
-      <p:par>
-        <p:cTn id="1" dur="indefinite" restart="never" nodeType="tmRoot"/>
-      </p:par>
-    </p:tnLst>
-  </p:timing>
 </p:sld>
 </file>
 
@@ -9442,10 +8948,9 @@
           <a:lstStyle/>
           <a:p>
             <a:r>
-              <a:rPr lang="en-US" dirty="0" smtClean="0"/>
+              <a:rPr lang="en-US" dirty="0"/>
               <a:t>Examples/Tests</a:t>
             </a:r>
-            <a:endParaRPr lang="en-US" dirty="0"/>
           </a:p>
         </p:txBody>
       </p:sp>
@@ -9472,7 +8977,7 @@
               </a:spcBef>
             </a:pPr>
             <a:r>
-              <a:rPr lang="en-US" sz="2400" dirty="0" smtClean="0"/>
+              <a:rPr lang="en-US" sz="2400" dirty="0"/>
               <a:t>(begin-for-test</a:t>
             </a:r>
           </a:p>
@@ -9482,7 +8987,7 @@
                 <a:spcPts val="0"/>
               </a:spcBef>
             </a:pPr>
-            <a:endParaRPr lang="en-US" sz="2400" dirty="0" smtClean="0"/>
+            <a:endParaRPr lang="en-US" sz="2400" dirty="0"/>
           </a:p>
           <a:p>
             <a:pPr>
@@ -9491,7 +8996,7 @@
               </a:spcBef>
             </a:pPr>
             <a:r>
-              <a:rPr lang="en-US" sz="2400" dirty="0" smtClean="0"/>
+              <a:rPr lang="en-US" sz="2400" dirty="0"/>
               <a:t>  (check-equal?</a:t>
             </a:r>
           </a:p>
@@ -9502,24 +9007,8 @@
               </a:spcBef>
             </a:pPr>
             <a:r>
-              <a:rPr lang="en-US" sz="2400" dirty="0" smtClean="0"/>
-              <a:t>    (function-sum 1 3 (lambda (</a:t>
-            </a:r>
-            <a:r>
               <a:rPr lang="en-US" sz="2400" dirty="0"/>
-              <a:t>j</a:t>
-            </a:r>
-            <a:r>
-              <a:rPr lang="en-US" sz="2400" dirty="0" smtClean="0"/>
-              <a:t>) </a:t>
-            </a:r>
-            <a:r>
-              <a:rPr lang="en-US" sz="2400" dirty="0"/>
-              <a:t>j</a:t>
-            </a:r>
-            <a:r>
-              <a:rPr lang="en-US" sz="2400" dirty="0" smtClean="0"/>
-              <a:t>))</a:t>
+              <a:t>    (function-sum 1 3 (lambda (j) j))</a:t>
             </a:r>
           </a:p>
           <a:p>
@@ -9529,7 +9018,7 @@
               </a:spcBef>
             </a:pPr>
             <a:r>
-              <a:rPr lang="en-US" sz="2400" dirty="0" smtClean="0"/>
+              <a:rPr lang="en-US" sz="2400" dirty="0"/>
               <a:t>    (+ 1 2 3))</a:t>
             </a:r>
           </a:p>
@@ -9539,7 +9028,7 @@
                 <a:spcPts val="0"/>
               </a:spcBef>
             </a:pPr>
-            <a:endParaRPr lang="en-US" sz="2400" dirty="0" smtClean="0"/>
+            <a:endParaRPr lang="en-US" sz="2400" dirty="0"/>
           </a:p>
           <a:p>
             <a:pPr>
@@ -9548,7 +9037,7 @@
               </a:spcBef>
             </a:pPr>
             <a:r>
-              <a:rPr lang="en-US" sz="2400" dirty="0" smtClean="0"/>
+              <a:rPr lang="en-US" sz="2400" dirty="0"/>
               <a:t>  (check-equal?</a:t>
             </a:r>
           </a:p>
@@ -9559,24 +9048,8 @@
               </a:spcBef>
             </a:pPr>
             <a:r>
-              <a:rPr lang="en-US" sz="2400" dirty="0" smtClean="0"/>
-              <a:t>    (function-sum 1 3 (lambda (</a:t>
-            </a:r>
-            <a:r>
               <a:rPr lang="en-US" sz="2400" dirty="0"/>
-              <a:t>j</a:t>
-            </a:r>
-            <a:r>
-              <a:rPr lang="en-US" sz="2400" dirty="0" smtClean="0"/>
-              <a:t>) (+ </a:t>
-            </a:r>
-            <a:r>
-              <a:rPr lang="en-US" sz="2400" dirty="0"/>
-              <a:t>j</a:t>
-            </a:r>
-            <a:r>
-              <a:rPr lang="en-US" sz="2400" dirty="0" smtClean="0"/>
-              <a:t> 10)))</a:t>
+              <a:t>    (function-sum 1 3 (lambda (j) (+ j 10)))</a:t>
             </a:r>
           </a:p>
           <a:p>
@@ -9586,10 +9059,9 @@
               </a:spcBef>
             </a:pPr>
             <a:r>
-              <a:rPr lang="en-US" sz="2400" dirty="0" smtClean="0"/>
+              <a:rPr lang="en-US" sz="2400" dirty="0"/>
               <a:t>    (+ 11 12 13)))</a:t>
             </a:r>
-            <a:endParaRPr lang="en-US" sz="2400" dirty="0"/>
           </a:p>
         </p:txBody>
       </p:sp>
@@ -9627,13 +9099,6 @@
   <p:clrMapOvr>
     <a:masterClrMapping/>
   </p:clrMapOvr>
-  <p:timing>
-    <p:tnLst>
-      <p:par>
-        <p:cTn id="1" dur="indefinite" restart="never" nodeType="tmRoot"/>
-      </p:par>
-    </p:tnLst>
-  </p:timing>
 </p:sld>
 </file>
 
@@ -9670,10 +9135,9 @@
           <a:lstStyle/>
           <a:p>
             <a:r>
-              <a:rPr lang="en-US" dirty="0" smtClean="0"/>
+              <a:rPr lang="en-US" dirty="0"/>
               <a:t>Let's generalize</a:t>
             </a:r>
-            <a:endParaRPr lang="en-US" dirty="0"/>
           </a:p>
         </p:txBody>
       </p:sp>
@@ -9693,18 +9157,17 @@
           <a:lstStyle/>
           <a:p>
             <a:r>
-              <a:rPr lang="en-US" dirty="0" smtClean="0"/>
+              <a:rPr lang="en-US" dirty="0"/>
               <a:t>As we compute, we will have computed the sum of some of the values.  Let's call that sum </a:t>
             </a:r>
             <a:r>
-              <a:rPr lang="en-US" b="1" dirty="0" err="1" smtClean="0"/>
+              <a:rPr lang="en-US" b="1" dirty="0" err="1"/>
               <a:t>sofar</a:t>
             </a:r>
             <a:r>
-              <a:rPr lang="en-US" dirty="0" smtClean="0"/>
+              <a:rPr lang="en-US" dirty="0"/>
               <a:t>.</a:t>
             </a:r>
-            <a:endParaRPr lang="en-US" dirty="0"/>
           </a:p>
         </p:txBody>
       </p:sp>
@@ -9850,16 +9313,12 @@
           <a:lstStyle/>
           <a:p>
             <a:r>
-              <a:rPr lang="en-US" sz="2400" b="1" dirty="0" smtClean="0">
+              <a:rPr lang="en-US" sz="2400" b="1" dirty="0">
                 <a:latin typeface="Consolas" pitchFamily="49" charset="0"/>
                 <a:cs typeface="Consolas" pitchFamily="49" charset="0"/>
               </a:rPr>
               <a:t>lo</a:t>
             </a:r>
-            <a:endParaRPr lang="en-US" sz="2400" b="1" dirty="0">
-              <a:latin typeface="Consolas" pitchFamily="49" charset="0"/>
-              <a:cs typeface="Consolas" pitchFamily="49" charset="0"/>
-            </a:endParaRPr>
           </a:p>
         </p:txBody>
       </p:sp>
@@ -9887,16 +9346,12 @@
           <a:p>
             <a:pPr algn="r"/>
             <a:r>
-              <a:rPr lang="en-US" sz="2400" b="1" dirty="0" smtClean="0">
+              <a:rPr lang="en-US" sz="2400" b="1" dirty="0">
                 <a:latin typeface="Consolas" pitchFamily="49" charset="0"/>
                 <a:cs typeface="Consolas" pitchFamily="49" charset="0"/>
               </a:rPr>
               <a:t>hi</a:t>
             </a:r>
-            <a:endParaRPr lang="en-US" sz="2400" b="1" dirty="0">
-              <a:latin typeface="Consolas" pitchFamily="49" charset="0"/>
-              <a:cs typeface="Consolas" pitchFamily="49" charset="0"/>
-            </a:endParaRPr>
           </a:p>
         </p:txBody>
       </p:sp>
@@ -9950,12 +9405,14 @@
             <a:avLst/>
           </a:prstGeom>
           <a:solidFill>
-            <a:schemeClr val="accent3">
-              <a:lumMod val="40000"/>
-              <a:lumOff val="60000"/>
+            <a:schemeClr val="accent1">
+              <a:lumMod val="20000"/>
+              <a:lumOff val="80000"/>
             </a:schemeClr>
           </a:solidFill>
-          <a:ln/>
+          <a:ln>
+            <a:noFill/>
+          </a:ln>
         </p:spPr>
         <p:style>
           <a:lnRef idx="2">
@@ -9982,7 +9439,7 @@
           <a:p>
             <a:pPr algn="ctr"/>
             <a:r>
-              <a:rPr lang="en-US" b="1" dirty="0" err="1" smtClean="0">
+              <a:rPr lang="en-US" b="1" dirty="0" err="1">
                 <a:solidFill>
                   <a:schemeClr val="tx1"/>
                 </a:solidFill>
@@ -9990,7 +9447,7 @@
               <a:t>sofar</a:t>
             </a:r>
             <a:r>
-              <a:rPr lang="en-US" dirty="0" smtClean="0">
+              <a:rPr lang="en-US" dirty="0">
                 <a:solidFill>
                   <a:schemeClr val="tx1"/>
                 </a:solidFill>
@@ -10048,13 +9505,6 @@
   <p:clrMapOvr>
     <a:masterClrMapping/>
   </p:clrMapOvr>
-  <p:timing>
-    <p:tnLst>
-      <p:par>
-        <p:cTn id="1" dur="indefinite" restart="never" nodeType="tmRoot"/>
-      </p:par>
-    </p:tnLst>
-  </p:timing>
 </p:sld>
 </file>
 
@@ -10142,10 +9592,9 @@
           <a:lstStyle/>
           <a:p>
             <a:r>
-              <a:rPr lang="en-US" dirty="0" smtClean="0"/>
+              <a:rPr lang="en-US" dirty="0"/>
               <a:t>Representing this picture as data</a:t>
             </a:r>
-            <a:endParaRPr lang="en-US" dirty="0"/>
           </a:p>
         </p:txBody>
       </p:sp>
@@ -10240,16 +9689,12 @@
           <a:lstStyle/>
           <a:p>
             <a:r>
-              <a:rPr lang="en-US" sz="2400" b="1" dirty="0" smtClean="0">
+              <a:rPr lang="en-US" sz="2400" b="1" dirty="0">
                 <a:latin typeface="Consolas" pitchFamily="49" charset="0"/>
                 <a:cs typeface="Consolas" pitchFamily="49" charset="0"/>
               </a:rPr>
               <a:t>lo</a:t>
             </a:r>
-            <a:endParaRPr lang="en-US" sz="2400" b="1" dirty="0">
-              <a:latin typeface="Consolas" pitchFamily="49" charset="0"/>
-              <a:cs typeface="Consolas" pitchFamily="49" charset="0"/>
-            </a:endParaRPr>
           </a:p>
         </p:txBody>
       </p:sp>
@@ -10277,16 +9722,12 @@
           <a:p>
             <a:pPr algn="r"/>
             <a:r>
-              <a:rPr lang="en-US" sz="2400" b="1" dirty="0" smtClean="0">
+              <a:rPr lang="en-US" sz="2400" b="1" dirty="0">
                 <a:latin typeface="Consolas" pitchFamily="49" charset="0"/>
                 <a:cs typeface="Consolas" pitchFamily="49" charset="0"/>
               </a:rPr>
               <a:t>hi</a:t>
             </a:r>
-            <a:endParaRPr lang="en-US" sz="2400" b="1" dirty="0">
-              <a:latin typeface="Consolas" pitchFamily="49" charset="0"/>
-              <a:cs typeface="Consolas" pitchFamily="49" charset="0"/>
-            </a:endParaRPr>
           </a:p>
         </p:txBody>
       </p:sp>
@@ -10340,12 +9781,14 @@
             <a:avLst/>
           </a:prstGeom>
           <a:solidFill>
-            <a:schemeClr val="accent3">
-              <a:lumMod val="40000"/>
-              <a:lumOff val="60000"/>
+            <a:schemeClr val="accent1">
+              <a:lumMod val="20000"/>
+              <a:lumOff val="80000"/>
             </a:schemeClr>
           </a:solidFill>
-          <a:ln/>
+          <a:ln>
+            <a:noFill/>
+          </a:ln>
         </p:spPr>
         <p:style>
           <a:lnRef idx="2">
@@ -10372,7 +9815,7 @@
           <a:p>
             <a:pPr algn="ctr"/>
             <a:r>
-              <a:rPr lang="en-US" dirty="0" err="1" smtClean="0">
+              <a:rPr lang="en-US" dirty="0" err="1">
                 <a:solidFill>
                   <a:schemeClr val="tx1"/>
                 </a:solidFill>
@@ -10380,7 +9823,7 @@
               <a:t>sofar</a:t>
             </a:r>
             <a:r>
-              <a:rPr lang="en-US" dirty="0" smtClean="0">
+              <a:rPr lang="en-US" dirty="0">
                 <a:solidFill>
                   <a:schemeClr val="tx1"/>
                 </a:solidFill>
@@ -10479,12 +9922,14 @@
             <a:avLst/>
           </a:prstGeom>
           <a:solidFill>
-            <a:schemeClr val="accent3">
-              <a:lumMod val="40000"/>
-              <a:lumOff val="60000"/>
+            <a:schemeClr val="accent1">
+              <a:lumMod val="20000"/>
+              <a:lumOff val="80000"/>
             </a:schemeClr>
           </a:solidFill>
-          <a:ln/>
+          <a:ln>
+            <a:noFill/>
+          </a:ln>
         </p:spPr>
         <p:style>
           <a:lnRef idx="2">
@@ -10510,7 +9955,7 @@
           <a:lstStyle/>
           <a:p>
             <a:r>
-              <a:rPr lang="en-US" dirty="0" smtClean="0">
+              <a:rPr lang="en-US" dirty="0">
                 <a:solidFill>
                   <a:schemeClr val="tx1"/>
                 </a:solidFill>
@@ -10524,7 +9969,7 @@
               <a:buChar char="•"/>
             </a:pPr>
             <a:r>
-              <a:rPr lang="en-US" b="1" dirty="0" smtClean="0">
+              <a:rPr lang="en-US" b="1" dirty="0">
                 <a:solidFill>
                   <a:schemeClr val="tx1"/>
                 </a:solidFill>
@@ -10538,7 +9983,7 @@
               <a:buChar char="•"/>
             </a:pPr>
             <a:r>
-              <a:rPr lang="en-US" b="1" dirty="0" err="1" smtClean="0">
+              <a:rPr lang="en-US" b="1" dirty="0" err="1">
                 <a:solidFill>
                   <a:schemeClr val="tx1"/>
                 </a:solidFill>
@@ -10546,7 +9991,7 @@
               <a:t>i</a:t>
             </a:r>
             <a:r>
-              <a:rPr lang="en-US" dirty="0" smtClean="0">
+              <a:rPr lang="en-US" dirty="0">
                 <a:solidFill>
                   <a:schemeClr val="tx1"/>
                 </a:solidFill>
@@ -10560,7 +10005,7 @@
               <a:buChar char="•"/>
             </a:pPr>
             <a:r>
-              <a:rPr lang="en-US" b="1" dirty="0" smtClean="0">
+              <a:rPr lang="en-US" b="1" dirty="0">
                 <a:solidFill>
                   <a:schemeClr val="tx1"/>
                 </a:solidFill>
@@ -10568,7 +10013,7 @@
               <a:t>hi</a:t>
             </a:r>
             <a:r>
-              <a:rPr lang="en-US" dirty="0" smtClean="0">
+              <a:rPr lang="en-US" dirty="0">
                 <a:solidFill>
                   <a:schemeClr val="tx1"/>
                 </a:solidFill>
@@ -10582,7 +10027,7 @@
               <a:buChar char="•"/>
             </a:pPr>
             <a:r>
-              <a:rPr lang="en-US" b="1" dirty="0" err="1" smtClean="0">
+              <a:rPr lang="en-US" b="1" dirty="0" err="1">
                 <a:solidFill>
                   <a:schemeClr val="tx1"/>
                 </a:solidFill>
@@ -10590,7 +10035,7 @@
               <a:t>sofar</a:t>
             </a:r>
             <a:r>
-              <a:rPr lang="en-US" dirty="0" smtClean="0">
+              <a:rPr lang="en-US" dirty="0">
                 <a:solidFill>
                   <a:schemeClr val="tx1"/>
                 </a:solidFill>
@@ -10615,12 +10060,14 @@
             <a:avLst/>
           </a:prstGeom>
           <a:solidFill>
-            <a:schemeClr val="accent3">
-              <a:lumMod val="40000"/>
-              <a:lumOff val="60000"/>
+            <a:schemeClr val="accent1">
+              <a:lumMod val="20000"/>
+              <a:lumOff val="80000"/>
             </a:schemeClr>
           </a:solidFill>
-          <a:ln/>
+          <a:ln>
+            <a:noFill/>
+          </a:ln>
         </p:spPr>
         <p:style>
           <a:lnRef idx="2">
@@ -10647,7 +10094,7 @@
           <a:p>
             <a:pPr algn="ctr"/>
             <a:r>
-              <a:rPr lang="en-US" dirty="0" smtClean="0">
+              <a:rPr lang="en-US" dirty="0">
                 <a:solidFill>
                   <a:schemeClr val="tx1"/>
                 </a:solidFill>
@@ -10658,7 +10105,7 @@
           <a:p>
             <a:pPr algn="ctr"/>
             <a:r>
-              <a:rPr lang="en-US" b="1" dirty="0" err="1" smtClean="0">
+              <a:rPr lang="en-US" b="1" dirty="0" err="1">
                 <a:solidFill>
                   <a:schemeClr val="tx1"/>
                 </a:solidFill>
@@ -10666,7 +10113,7 @@
               <a:t>sofar</a:t>
             </a:r>
             <a:r>
-              <a:rPr lang="en-US" b="1" dirty="0" smtClean="0">
+              <a:rPr lang="en-US" b="1" dirty="0">
                 <a:solidFill>
                   <a:schemeClr val="tx1"/>
                 </a:solidFill>
@@ -10674,7 +10121,7 @@
               <a:t> + SUM{f(j)|</a:t>
             </a:r>
             <a:r>
-              <a:rPr lang="en-US" b="1" dirty="0" err="1" smtClean="0">
+              <a:rPr lang="en-US" b="1" dirty="0" err="1">
                 <a:solidFill>
                   <a:schemeClr val="tx1"/>
                 </a:solidFill>
@@ -10682,7 +10129,7 @@
               <a:t>i</a:t>
             </a:r>
             <a:r>
-              <a:rPr lang="en-US" b="1" dirty="0" smtClean="0">
+              <a:rPr lang="en-US" b="1" dirty="0">
                 <a:solidFill>
                   <a:schemeClr val="tx1"/>
                 </a:solidFill>
@@ -10707,12 +10154,14 @@
             <a:avLst/>
           </a:prstGeom>
           <a:solidFill>
-            <a:schemeClr val="accent3">
-              <a:lumMod val="40000"/>
-              <a:lumOff val="60000"/>
+            <a:schemeClr val="accent1">
+              <a:lumMod val="20000"/>
+              <a:lumOff val="80000"/>
             </a:schemeClr>
           </a:solidFill>
-          <a:ln/>
+          <a:ln>
+            <a:noFill/>
+          </a:ln>
         </p:spPr>
         <p:style>
           <a:lnRef idx="2">
@@ -10739,7 +10188,7 @@
           <a:p>
             <a:pPr algn="ctr"/>
             <a:r>
-              <a:rPr lang="en-US" dirty="0" smtClean="0">
+              <a:rPr lang="en-US" dirty="0">
                 <a:solidFill>
                   <a:schemeClr val="tx1"/>
                 </a:solidFill>
@@ -10747,7 +10196,7 @@
               <a:t>This is a function of </a:t>
             </a:r>
             <a:r>
-              <a:rPr lang="en-US" b="1" dirty="0" err="1" smtClean="0">
+              <a:rPr lang="en-US" b="1" dirty="0" err="1">
                 <a:solidFill>
                   <a:schemeClr val="tx1"/>
                 </a:solidFill>
@@ -10755,7 +10204,7 @@
               <a:t>i</a:t>
             </a:r>
             <a:r>
-              <a:rPr lang="en-US" dirty="0" smtClean="0">
+              <a:rPr lang="en-US" dirty="0">
                 <a:solidFill>
                   <a:schemeClr val="tx1"/>
                 </a:solidFill>
@@ -10763,7 +10212,7 @@
               <a:t>, </a:t>
             </a:r>
             <a:r>
-              <a:rPr lang="en-US" b="1" dirty="0" smtClean="0">
+              <a:rPr lang="en-US" b="1" dirty="0">
                 <a:solidFill>
                   <a:schemeClr val="tx1"/>
                 </a:solidFill>
@@ -10771,7 +10220,7 @@
               <a:t>hi</a:t>
             </a:r>
             <a:r>
-              <a:rPr lang="en-US" dirty="0" smtClean="0">
+              <a:rPr lang="en-US" dirty="0">
                 <a:solidFill>
                   <a:schemeClr val="tx1"/>
                 </a:solidFill>
@@ -10779,7 +10228,7 @@
               <a:t>, </a:t>
             </a:r>
             <a:r>
-              <a:rPr lang="en-US" b="1" dirty="0" err="1" smtClean="0">
+              <a:rPr lang="en-US" b="1" dirty="0" err="1">
                 <a:solidFill>
                   <a:schemeClr val="tx1"/>
                 </a:solidFill>
@@ -10787,7 +10236,7 @@
               <a:t>sofar</a:t>
             </a:r>
             <a:r>
-              <a:rPr lang="en-US" dirty="0" smtClean="0">
+              <a:rPr lang="en-US" dirty="0">
                 <a:solidFill>
                   <a:schemeClr val="tx1"/>
                 </a:solidFill>
@@ -10795,7 +10244,7 @@
               <a:t>, and </a:t>
             </a:r>
             <a:r>
-              <a:rPr lang="en-US" b="1" dirty="0" smtClean="0">
+              <a:rPr lang="en-US" b="1" dirty="0">
                 <a:solidFill>
                   <a:schemeClr val="tx1"/>
                 </a:solidFill>
@@ -10803,7 +10252,7 @@
               <a:t>f</a:t>
             </a:r>
             <a:r>
-              <a:rPr lang="en-US" dirty="0" smtClean="0">
+              <a:rPr lang="en-US" dirty="0">
                 <a:solidFill>
                   <a:schemeClr val="tx1"/>
                 </a:solidFill>
@@ -11001,10 +10450,9 @@
           <a:lstStyle/>
           <a:p>
             <a:r>
-              <a:rPr lang="en-US" dirty="0" smtClean="0"/>
+              <a:rPr lang="en-US" dirty="0"/>
               <a:t>Contract, Purpose Statement, and Examples</a:t>
             </a:r>
-            <a:endParaRPr lang="en-US" dirty="0"/>
           </a:p>
         </p:txBody>
       </p:sp>
@@ -11027,15 +10475,7 @@
           <a:p>
             <a:r>
               <a:rPr lang="en-US" dirty="0"/>
-              <a:t>;; </a:t>
-            </a:r>
-            <a:r>
-              <a:rPr lang="en-US" dirty="0" smtClean="0"/>
-              <a:t>generalized-function-sum </a:t>
-            </a:r>
-            <a:r>
-              <a:rPr lang="en-US" dirty="0"/>
-              <a:t>: </a:t>
+              <a:t>;; generalized-function-sum : </a:t>
             </a:r>
           </a:p>
           <a:p>
@@ -11049,37 +10489,21 @@
             </a:r>
             <a:r>
               <a:rPr lang="en-US" dirty="0"/>
-              <a:t> Number (</a:t>
-            </a:r>
-            <a:r>
-              <a:rPr lang="en-US" dirty="0" smtClean="0"/>
-              <a:t>Nat </a:t>
-            </a:r>
+              <a:t> Number (Nat -&gt; Number) -&gt; Number</a:t>
+            </a:r>
+          </a:p>
+          <a:p>
             <a:r>
               <a:rPr lang="en-US" dirty="0"/>
-              <a:t>-&gt; Number) -&gt; Number</a:t>
-            </a:r>
-          </a:p>
-          <a:p>
+              <a:t>;; GIVEN: natural numbers </a:t>
+            </a:r>
+            <a:r>
+              <a:rPr lang="en-US" dirty="0" err="1"/>
+              <a:t>i</a:t>
+            </a:r>
             <a:r>
               <a:rPr lang="en-US" dirty="0"/>
-              <a:t>;; GIVEN: natural </a:t>
-            </a:r>
-            <a:r>
-              <a:rPr lang="en-US" dirty="0" smtClean="0"/>
-              <a:t>numbers </a:t>
-            </a:r>
-            <a:r>
-              <a:rPr lang="en-US" dirty="0" err="1" smtClean="0"/>
-              <a:t>i</a:t>
-            </a:r>
-            <a:r>
-              <a:rPr lang="en-US" dirty="0" smtClean="0"/>
-              <a:t> and hi, </a:t>
-            </a:r>
-            <a:r>
-              <a:rPr lang="en-US" dirty="0"/>
-              <a:t>a number </a:t>
+              <a:t> and hi, a number </a:t>
             </a:r>
             <a:r>
               <a:rPr lang="en-US" dirty="0" err="1"/>
@@ -11089,36 +10513,26 @@
               <a:rPr lang="en-US" dirty="0"/>
               <a:t>, </a:t>
             </a:r>
-            <a:endParaRPr lang="en-US" dirty="0" smtClean="0"/>
-          </a:p>
-          <a:p>
-            <a:r>
-              <a:rPr lang="en-US" dirty="0" smtClean="0"/>
-              <a:t>;;  and </a:t>
-            </a:r>
+          </a:p>
+          <a:p>
             <a:r>
               <a:rPr lang="en-US" dirty="0"/>
-              <a:t>a function f</a:t>
-            </a:r>
-            <a:r>
-              <a:rPr lang="en-US" dirty="0" smtClean="0"/>
-              <a:t>,</a:t>
-            </a:r>
-          </a:p>
-          <a:p>
-            <a:r>
-              <a:rPr lang="en-US" dirty="0" smtClean="0"/>
+              <a:t>;;  and a function f,</a:t>
+            </a:r>
+          </a:p>
+          <a:p>
+            <a:r>
+              <a:rPr lang="en-US" dirty="0"/>
               <a:t>;; WHERE: </a:t>
             </a:r>
             <a:r>
-              <a:rPr lang="en-US" dirty="0" err="1" smtClean="0"/>
+              <a:rPr lang="en-US" dirty="0" err="1"/>
               <a:t>i</a:t>
             </a:r>
             <a:r>
-              <a:rPr lang="en-US" dirty="0" smtClean="0"/>
+              <a:rPr lang="en-US" dirty="0"/>
               <a:t> ≤ hi</a:t>
             </a:r>
-            <a:endParaRPr lang="en-US" dirty="0"/>
           </a:p>
           <a:p>
             <a:r>
@@ -11139,23 +10553,7 @@
             </a:r>
             <a:r>
               <a:rPr lang="en-US" dirty="0"/>
-              <a:t> </a:t>
-            </a:r>
-            <a:r>
-              <a:rPr lang="en-US" dirty="0" smtClean="0"/>
-              <a:t>≤ </a:t>
-            </a:r>
-            <a:r>
-              <a:rPr lang="en-US" dirty="0"/>
-              <a:t>j </a:t>
-            </a:r>
-            <a:r>
-              <a:rPr lang="en-US" dirty="0" smtClean="0"/>
-              <a:t>≤ </a:t>
-            </a:r>
-            <a:r>
-              <a:rPr lang="en-US" dirty="0"/>
-              <a:t>hi} </a:t>
+              <a:t> ≤ j ≤ hi} </a:t>
             </a:r>
           </a:p>
           <a:p>
@@ -11169,10 +10567,9 @@
           </a:p>
           <a:p>
             <a:r>
-              <a:rPr lang="en-US" dirty="0" smtClean="0"/>
+              <a:rPr lang="en-US" dirty="0"/>
               <a:t>(begin-for-test</a:t>
             </a:r>
-            <a:endParaRPr lang="en-US" dirty="0"/>
           </a:p>
           <a:p>
             <a:r>
@@ -11183,15 +10580,7 @@
           <a:p>
             <a:r>
               <a:rPr lang="en-US" dirty="0"/>
-              <a:t>    </a:t>
-            </a:r>
-            <a:r>
-              <a:rPr lang="en-US" dirty="0" smtClean="0"/>
-              <a:t>(generalized-function-sum </a:t>
-            </a:r>
-            <a:r>
-              <a:rPr lang="en-US" dirty="0"/>
-              <a:t>1 3 17 (lambda (j) j))</a:t>
+              <a:t>    (generalized-function-sum 1 3 17 (lambda (j) j))</a:t>
             </a:r>
           </a:p>
           <a:p>
@@ -11209,15 +10598,7 @@
           <a:p>
             <a:r>
               <a:rPr lang="en-US" dirty="0"/>
-              <a:t>    </a:t>
-            </a:r>
-            <a:r>
-              <a:rPr lang="en-US" dirty="0" smtClean="0"/>
-              <a:t>(generalized-function-sum </a:t>
-            </a:r>
-            <a:r>
-              <a:rPr lang="en-US" dirty="0"/>
-              <a:t>1 3 42 (lambda (j) (+ j 10)))</a:t>
+              <a:t>    (generalized-function-sum 1 3 42 (lambda (j) (+ j 10)))</a:t>
             </a:r>
           </a:p>
           <a:p>
@@ -11262,13 +10643,6 @@
   <p:clrMapOvr>
     <a:masterClrMapping/>
   </p:clrMapOvr>
-  <p:timing>
-    <p:tnLst>
-      <p:par>
-        <p:cTn id="1" dur="indefinite" restart="never" nodeType="tmRoot"/>
-      </p:par>
-    </p:tnLst>
-  </p:timing>
 </p:sld>
 </file>
 
@@ -11307,10 +10681,9 @@
           <a:lstStyle/>
           <a:p>
             <a:r>
-              <a:rPr lang="en-US" dirty="0" smtClean="0"/>
+              <a:rPr lang="en-US" dirty="0"/>
               <a:t>What do we know about this function?</a:t>
             </a:r>
-            <a:endParaRPr lang="en-US" dirty="0"/>
           </a:p>
         </p:txBody>
       </p:sp>
@@ -11330,25 +10703,25 @@
           <a:lstStyle/>
           <a:p>
             <a:r>
-              <a:rPr lang="en-US" b="0" dirty="0" smtClean="0">
+              <a:rPr lang="en-US" b="0" dirty="0">
                 <a:latin typeface="+mn-lt"/>
               </a:rPr>
               <a:t>if </a:t>
             </a:r>
             <a:r>
-              <a:rPr lang="en-US" dirty="0" err="1" smtClean="0">
+              <a:rPr lang="en-US" dirty="0" err="1">
                 <a:latin typeface="+mn-lt"/>
               </a:rPr>
               <a:t>i</a:t>
             </a:r>
             <a:r>
-              <a:rPr lang="en-US" dirty="0" smtClean="0">
+              <a:rPr lang="en-US" dirty="0">
                 <a:latin typeface="+mn-lt"/>
               </a:rPr>
               <a:t> = hi</a:t>
             </a:r>
             <a:r>
-              <a:rPr lang="en-US" b="0" dirty="0" smtClean="0">
+              <a:rPr lang="en-US" b="0" dirty="0">
                 <a:latin typeface="+mn-lt"/>
               </a:rPr>
               <a:t>, then </a:t>
@@ -11356,77 +10729,16 @@
           </a:p>
           <a:p>
             <a:r>
-              <a:rPr lang="en-US" sz="2800" dirty="0" smtClean="0"/>
+              <a:rPr lang="en-US" sz="2800" dirty="0"/>
               <a:t>(generalized-function-sum </a:t>
             </a:r>
             <a:r>
-              <a:rPr lang="en-US" sz="2800" dirty="0" err="1" smtClean="0"/>
+              <a:rPr lang="en-US" sz="2800" dirty="0" err="1"/>
               <a:t>i</a:t>
             </a:r>
             <a:r>
-              <a:rPr lang="en-US" sz="2800" dirty="0" smtClean="0"/>
+              <a:rPr lang="en-US" sz="2800" dirty="0"/>
               <a:t> hi </a:t>
-            </a:r>
-            <a:r>
-              <a:rPr lang="en-US" sz="2800" dirty="0" err="1" smtClean="0"/>
-              <a:t>sofar</a:t>
-            </a:r>
-            <a:r>
-              <a:rPr lang="en-US" sz="2800" dirty="0" smtClean="0"/>
-              <a:t> f)</a:t>
-            </a:r>
-            <a:endParaRPr lang="en-US" sz="2800" dirty="0"/>
-          </a:p>
-          <a:p>
-            <a:r>
-              <a:rPr lang="en-US" sz="2800" dirty="0" smtClean="0"/>
-              <a:t>= </a:t>
-            </a:r>
-            <a:r>
-              <a:rPr lang="en-US" sz="2800" dirty="0" err="1" smtClean="0"/>
-              <a:t>sofar</a:t>
-            </a:r>
-            <a:r>
-              <a:rPr lang="en-US" sz="2800" dirty="0" smtClean="0"/>
-              <a:t> </a:t>
-            </a:r>
-            <a:r>
-              <a:rPr lang="en-US" sz="2800" dirty="0"/>
-              <a:t>+ SUM{f(j</a:t>
-            </a:r>
-            <a:r>
-              <a:rPr lang="en-US" sz="2800" dirty="0" smtClean="0"/>
-              <a:t>)|</a:t>
-            </a:r>
-            <a:r>
-              <a:rPr lang="en-US" sz="2800" dirty="0" err="1" smtClean="0"/>
-              <a:t>i</a:t>
-            </a:r>
-            <a:r>
-              <a:rPr lang="en-US" sz="2800" dirty="0" smtClean="0"/>
-              <a:t> ≤ </a:t>
-            </a:r>
-            <a:r>
-              <a:rPr lang="en-US" sz="2800" dirty="0"/>
-              <a:t>j </a:t>
-            </a:r>
-            <a:r>
-              <a:rPr lang="en-US" sz="2800" dirty="0" smtClean="0"/>
-              <a:t>≤ </a:t>
-            </a:r>
-            <a:r>
-              <a:rPr lang="en-US" sz="2800" dirty="0"/>
-              <a:t>hi</a:t>
-            </a:r>
-            <a:r>
-              <a:rPr lang="en-US" sz="2800" dirty="0" smtClean="0"/>
-              <a:t>}</a:t>
-            </a:r>
-          </a:p>
-          <a:p>
-            <a:r>
-              <a:rPr lang="en-US" sz="2800" dirty="0" smtClean="0"/>
-              <a:t>= </a:t>
             </a:r>
             <a:r>
               <a:rPr lang="en-US" sz="2800" dirty="0" err="1"/>
@@ -11434,42 +10746,43 @@
             </a:r>
             <a:r>
               <a:rPr lang="en-US" sz="2800" dirty="0"/>
-              <a:t> + SUM{f(j</a:t>
-            </a:r>
-            <a:r>
-              <a:rPr lang="en-US" sz="2800" dirty="0" smtClean="0"/>
-              <a:t>)|hi ≤ </a:t>
-            </a:r>
+              <a:t> f)</a:t>
+            </a:r>
+          </a:p>
+          <a:p>
             <a:r>
               <a:rPr lang="en-US" sz="2800" dirty="0"/>
-              <a:t>j </a:t>
-            </a:r>
-            <a:r>
-              <a:rPr lang="en-US" sz="2800" dirty="0" smtClean="0"/>
-              <a:t>≤ </a:t>
+              <a:t>= </a:t>
+            </a:r>
+            <a:r>
+              <a:rPr lang="en-US" sz="2800" dirty="0" err="1"/>
+              <a:t>sofar</a:t>
             </a:r>
             <a:r>
               <a:rPr lang="en-US" sz="2800" dirty="0"/>
-              <a:t>hi</a:t>
-            </a:r>
-            <a:r>
-              <a:rPr lang="en-US" sz="2800" dirty="0" smtClean="0"/>
-              <a:t>}</a:t>
-            </a:r>
-            <a:endParaRPr lang="en-US" sz="2800" dirty="0"/>
-          </a:p>
-          <a:p>
-            <a:r>
-              <a:rPr lang="en-US" sz="2800" dirty="0" smtClean="0"/>
-              <a:t>= (+ </a:t>
-            </a:r>
-            <a:r>
-              <a:rPr lang="en-US" sz="2800" dirty="0" err="1" smtClean="0"/>
+              <a:t> + SUM{f(j)|</a:t>
+            </a:r>
+            <a:r>
+              <a:rPr lang="en-US" sz="2800" dirty="0" err="1"/>
+              <a:t>i</a:t>
+            </a:r>
+            <a:r>
+              <a:rPr lang="en-US" sz="2800" dirty="0"/>
+              <a:t> ≤ j ≤ hi}</a:t>
+            </a:r>
+          </a:p>
+          <a:p>
+            <a:r>
+              <a:rPr lang="en-US" sz="2800" dirty="0"/>
+              <a:t>= </a:t>
+            </a:r>
+            <a:r>
+              <a:rPr lang="en-US" sz="2800" dirty="0" err="1"/>
               <a:t>sofar</a:t>
             </a:r>
             <a:r>
-              <a:rPr lang="en-US" sz="2800" dirty="0" smtClean="0"/>
-              <a:t> (f hi))</a:t>
+              <a:rPr lang="en-US" sz="2800" dirty="0"/>
+              <a:t> + SUM{f(j)|hi ≤ j ≤ hi}</a:t>
             </a:r>
           </a:p>
           <a:p>
@@ -11483,6 +10796,20 @@
             </a:r>
             <a:r>
               <a:rPr lang="en-US" sz="2800" dirty="0"/>
+              <a:t> (f hi))</a:t>
+            </a:r>
+          </a:p>
+          <a:p>
+            <a:r>
+              <a:rPr lang="en-US" sz="2800" dirty="0"/>
+              <a:t>= (+ </a:t>
+            </a:r>
+            <a:r>
+              <a:rPr lang="en-US" sz="2800" dirty="0" err="1"/>
+              <a:t>sofar</a:t>
+            </a:r>
+            <a:r>
+              <a:rPr lang="en-US" sz="2800" dirty="0"/>
               <a:t> (f </a:t>
             </a:r>
             <a:r>
@@ -11490,13 +10817,12 @@
               <a:t>i</a:t>
             </a:r>
             <a:r>
-              <a:rPr lang="en-US" sz="2800" dirty="0" smtClean="0"/>
+              <a:rPr lang="en-US" sz="2800" dirty="0"/>
               <a:t>))</a:t>
             </a:r>
+          </a:p>
+          <a:p>
             <a:endParaRPr lang="en-US" sz="2800" dirty="0"/>
-          </a:p>
-          <a:p>
-            <a:endParaRPr lang="en-US" sz="2800" dirty="0" smtClean="0"/>
           </a:p>
         </p:txBody>
       </p:sp>
@@ -11534,13 +10860,6 @@
   <p:clrMapOvr>
     <a:masterClrMapping/>
   </p:clrMapOvr>
-  <p:timing>
-    <p:tnLst>
-      <p:par>
-        <p:cTn id="1" dur="indefinite" restart="never" nodeType="tmRoot"/>
-      </p:par>
-    </p:tnLst>
-  </p:timing>
 </p:sld>
 </file>
 

--- a/Slides/Lesson 8.3 Linear Search.pptx
+++ b/Slides/Lesson 8.3 Linear Search.pptx
@@ -248,7 +248,7 @@
             <a:fld id="{CF8F25F6-E1EF-4065-8525-42EDEBD9BD22}" type="datetimeFigureOut">
               <a:rPr lang="en-US" smtClean="0"/>
               <a:pPr/>
-              <a:t>10/23/2016</a:t>
+              <a:t>11/9/2016</a:t>
             </a:fld>
             <a:endParaRPr lang="en-US"/>
           </a:p>
@@ -954,7 +954,7 @@
           <a:p>
             <a:fld id="{2F1F79F5-7BEC-496A-AFC7-876E38F64D71}" type="datetime1">
               <a:rPr lang="en-US" smtClean="0"/>
-              <a:t>10/23/2016</a:t>
+              <a:t>11/9/2016</a:t>
             </a:fld>
             <a:endParaRPr lang="en-US"/>
           </a:p>
@@ -1049,7 +1049,7 @@
           <a:p>
             <a:fld id="{0A05703A-7669-4FEA-9056-25299B4D29D4}" type="datetime1">
               <a:rPr lang="en-US" smtClean="0"/>
-              <a:t>10/23/2016</a:t>
+              <a:t>11/9/2016</a:t>
             </a:fld>
             <a:endParaRPr lang="en-US"/>
           </a:p>
@@ -1324,7 +1324,7 @@
           <a:p>
             <a:fld id="{6E5077B5-BB57-49DB-88CA-226A139E5C01}" type="datetime1">
               <a:rPr lang="en-US" smtClean="0"/>
-              <a:t>10/23/2016</a:t>
+              <a:t>11/9/2016</a:t>
             </a:fld>
             <a:endParaRPr lang="en-US"/>
           </a:p>
@@ -1576,7 +1576,7 @@
           <a:p>
             <a:fld id="{C48D9447-CBD6-49A1-89FD-8512A8CF8999}" type="datetime1">
               <a:rPr lang="en-US" smtClean="0"/>
-              <a:t>10/23/2016</a:t>
+              <a:t>11/9/2016</a:t>
             </a:fld>
             <a:endParaRPr lang="en-US"/>
           </a:p>
@@ -1744,7 +1744,7 @@
           <a:p>
             <a:fld id="{A3639A2A-823D-48B7-9ACE-7FAF42870BA9}" type="datetime1">
               <a:rPr lang="en-US" smtClean="0"/>
-              <a:t>10/23/2016</a:t>
+              <a:t>11/9/2016</a:t>
             </a:fld>
             <a:endParaRPr lang="en-US"/>
           </a:p>
@@ -1922,7 +1922,7 @@
           <a:p>
             <a:fld id="{ED1B6996-82E9-463C-972C-7B56056E426C}" type="datetime1">
               <a:rPr lang="en-US" smtClean="0"/>
-              <a:t>10/23/2016</a:t>
+              <a:t>11/9/2016</a:t>
             </a:fld>
             <a:endParaRPr lang="en-US"/>
           </a:p>
@@ -2096,7 +2096,7 @@
           <a:p>
             <a:fld id="{E22ED4DA-448D-4BB1-B935-CC112220207B}" type="datetime1">
               <a:rPr lang="en-US" smtClean="0"/>
-              <a:t>10/23/2016</a:t>
+              <a:t>11/9/2016</a:t>
             </a:fld>
             <a:endParaRPr lang="en-US"/>
           </a:p>
@@ -2269,7 +2269,7 @@
           <a:p>
             <a:fld id="{E22ED4DA-448D-4BB1-B935-CC112220207B}" type="datetime1">
               <a:rPr lang="en-US" smtClean="0"/>
-              <a:t>10/23/2016</a:t>
+              <a:t>11/9/2016</a:t>
             </a:fld>
             <a:endParaRPr lang="en-US"/>
           </a:p>
@@ -2529,7 +2529,7 @@
           <a:p>
             <a:fld id="{FF5D65A6-AB94-4435-B0B7-3743215FA46C}" type="datetime1">
               <a:rPr lang="en-US" smtClean="0"/>
-              <a:t>10/23/2016</a:t>
+              <a:t>11/9/2016</a:t>
             </a:fld>
             <a:endParaRPr lang="en-US"/>
           </a:p>
@@ -2705,7 +2705,7 @@
           <a:p>
             <a:fld id="{FF5D65A6-AB94-4435-B0B7-3743215FA46C}" type="datetime1">
               <a:rPr lang="en-US" smtClean="0"/>
-              <a:t>10/23/2016</a:t>
+              <a:t>11/9/2016</a:t>
             </a:fld>
             <a:endParaRPr lang="en-US"/>
           </a:p>
@@ -2999,7 +2999,7 @@
           <a:p>
             <a:fld id="{7C193DC4-6EF0-48C9-B29C-616106A645E1}" type="datetime1">
               <a:rPr lang="en-US" smtClean="0"/>
-              <a:t>10/23/2016</a:t>
+              <a:t>11/9/2016</a:t>
             </a:fld>
             <a:endParaRPr lang="en-US"/>
           </a:p>
@@ -3284,7 +3284,7 @@
           <a:p>
             <a:fld id="{5D1846AD-9252-4647-9435-4C2AC365653A}" type="datetime1">
               <a:rPr lang="en-US" smtClean="0"/>
-              <a:t>10/23/2016</a:t>
+              <a:t>11/9/2016</a:t>
             </a:fld>
             <a:endParaRPr lang="en-US"/>
           </a:p>
@@ -3703,7 +3703,7 @@
           <a:p>
             <a:fld id="{CE56DC10-3561-4063-A6AF-C1CC7A41040A}" type="datetime1">
               <a:rPr lang="en-US" smtClean="0"/>
-              <a:t>10/23/2016</a:t>
+              <a:t>11/9/2016</a:t>
             </a:fld>
             <a:endParaRPr lang="en-US"/>
           </a:p>
@@ -3820,7 +3820,7 @@
           <a:p>
             <a:fld id="{2F7B77F5-1464-4F6B-92A8-64FC8A508293}" type="datetime1">
               <a:rPr lang="en-US" smtClean="0"/>
-              <a:t>10/23/2016</a:t>
+              <a:t>11/9/2016</a:t>
             </a:fld>
             <a:endParaRPr lang="en-US"/>
           </a:p>
@@ -4043,7 +4043,7 @@
           <a:p>
             <a:fld id="{02B3F677-983B-48DB-ADFD-63FE6CBC7FB2}" type="datetime1">
               <a:rPr lang="en-US" smtClean="0"/>
-              <a:t>10/23/2016</a:t>
+              <a:t>11/9/2016</a:t>
             </a:fld>
             <a:endParaRPr lang="en-US"/>
           </a:p>
@@ -6147,7 +6147,7 @@
           <p:spPr>
             <a:xfrm>
               <a:off x="2743200" y="2590800"/>
-              <a:ext cx="354584" cy="461665"/>
+              <a:ext cx="184731" cy="461665"/>
             </a:xfrm>
             <a:prstGeom prst="rect">
               <a:avLst/>
@@ -6160,13 +6160,6 @@
             </a:bodyPr>
             <a:lstStyle/>
             <a:p>
-              <a:r>
-                <a:rPr lang="en-US" sz="2400" b="1" dirty="0" err="1">
-                  <a:latin typeface="Consolas" pitchFamily="49" charset="0"/>
-                  <a:cs typeface="Consolas" pitchFamily="49" charset="0"/>
-                </a:rPr>
-                <a:t>i</a:t>
-              </a:r>
               <a:endParaRPr lang="en-US" sz="2400" b="1" dirty="0">
                 <a:latin typeface="Consolas" pitchFamily="49" charset="0"/>
                 <a:cs typeface="Consolas" pitchFamily="49" charset="0"/>
